--- a/WorstSuperhero-updated.pptx
+++ b/WorstSuperhero-updated.pptx
@@ -8,9 +8,9 @@
     <p:sldId id="264" r:id="rId2"/>
     <p:sldId id="256" r:id="rId3"/>
     <p:sldId id="257" r:id="rId4"/>
-    <p:sldId id="258" r:id="rId5"/>
-    <p:sldId id="259" r:id="rId6"/>
-    <p:sldId id="260" r:id="rId7"/>
+    <p:sldId id="259" r:id="rId5"/>
+    <p:sldId id="260" r:id="rId6"/>
+    <p:sldId id="258" r:id="rId7"/>
     <p:sldId id="262" r:id="rId8"/>
     <p:sldId id="265" r:id="rId9"/>
     <p:sldId id="263" r:id="rId10"/>
@@ -3373,31 +3373,6 @@
           <a:chExt cx="0" cy="0"/>
         </a:xfrm>
       </p:grpSpPr>
-      <p:sp>
-        <p:nvSpPr>
-          <p:cNvPr id="2" name="Title 1">
-            <a:extLst>
-              <a:ext uri="{FF2B5EF4-FFF2-40B4-BE49-F238E27FC236}">
-                <a16:creationId xmlns:a16="http://schemas.microsoft.com/office/drawing/2014/main" id="{6E201E07-04D4-4F72-9B38-5F2E8094AEED}"/>
-              </a:ext>
-            </a:extLst>
-          </p:cNvPr>
-          <p:cNvSpPr>
-            <a:spLocks noGrp="1"/>
-          </p:cNvSpPr>
-          <p:nvPr>
-            <p:ph type="title"/>
-          </p:nvPr>
-        </p:nvSpPr>
-        <p:spPr/>
-        <p:txBody>
-          <a:bodyPr/>
-          <a:lstStyle/>
-          <a:p>
-            <a:endParaRPr lang="en-US"/>
-          </a:p>
-        </p:txBody>
-      </p:sp>
       <p:pic>
         <p:nvPicPr>
           <p:cNvPr id="4" name="Online Media 3" title="Marvel Opening Sequence">
@@ -3424,7 +3399,7 @@
         </p:blipFill>
         <p:spPr>
           <a:xfrm>
-            <a:off x="1021408" y="365125"/>
+            <a:off x="767408" y="523081"/>
             <a:ext cx="10332392" cy="5811838"/>
           </a:xfrm>
           <a:prstGeom prst="rect">
@@ -3629,8 +3604,8 @@
         </p:nvSpPr>
         <p:spPr>
           <a:xfrm>
-            <a:off x="6191793" y="156755"/>
-            <a:ext cx="7746275" cy="1724296"/>
+            <a:off x="6096000" y="0"/>
+            <a:ext cx="6085540" cy="1724296"/>
           </a:xfrm>
         </p:spPr>
         <p:txBody>
@@ -4215,6 +4190,7 @@
       <p:bgPr>
         <a:blipFill dpi="0" rotWithShape="1">
           <a:blip r:embed="rId2">
+            <a:alphaModFix amt="31000"/>
             <a:lum/>
           </a:blip>
           <a:srcRect/>
@@ -4253,8 +4229,8 @@
         </p:nvSpPr>
         <p:spPr>
           <a:xfrm>
-            <a:off x="662462" y="208823"/>
-            <a:ext cx="10867077" cy="1292662"/>
+            <a:off x="895698" y="208823"/>
+            <a:ext cx="10400604" cy="1292662"/>
           </a:xfrm>
           <a:prstGeom prst="rect">
             <a:avLst/>
@@ -4312,16 +4288,13 @@
               </a:rPr>
             </a:br>
             <a:r>
-              <a:rPr lang="en-US" sz="2400" b="1" cap="none" spc="0" dirty="0">
+              <a:rPr lang="en-US" sz="2400" cap="none" spc="0" dirty="0">
                 <a:ln w="13462">
                   <a:solidFill>
-                    <a:schemeClr val="bg1"/>
+                    <a:schemeClr val="tx1"/>
                   </a:solidFill>
                   <a:prstDash val="solid"/>
                 </a:ln>
-                <a:solidFill>
-                  <a:schemeClr val="bg1"/>
-                </a:solidFill>
                 <a:effectLst>
                   <a:outerShdw dist="38100" dir="2700000" algn="bl" rotWithShape="0">
                     <a:schemeClr val="accent5"/>
@@ -4331,16 +4304,13 @@
               </a:rPr>
               <a:t>There is correlation between comic book sales and superhero statistics</a:t>
             </a:r>
-            <a:endParaRPr lang="en-US" sz="5400" b="1" cap="none" spc="0" dirty="0">
+            <a:endParaRPr lang="en-US" sz="5400" cap="none" spc="0" dirty="0">
               <a:ln w="13462">
                 <a:solidFill>
-                  <a:schemeClr val="bg1"/>
+                  <a:schemeClr val="tx1"/>
                 </a:solidFill>
                 <a:prstDash val="solid"/>
               </a:ln>
-              <a:solidFill>
-                <a:schemeClr val="bg1"/>
-              </a:solidFill>
               <a:effectLst>
                 <a:outerShdw dist="38100" dir="2700000" algn="bl" rotWithShape="0">
                   <a:schemeClr val="accent5"/>
@@ -4407,19 +4377,17 @@
           </a:p>
           <a:p>
             <a:pPr marL="514350" indent="-514350">
-              <a:buAutoNum type="arabicParenR"/>
+              <a:buFont typeface="Arial" panose="020B0604020202020204" pitchFamily="34" charset="0"/>
+              <a:buChar char="•"/>
             </a:pPr>
             <a:r>
-              <a:rPr lang="en-US" sz="2400" b="1" cap="none" spc="0" dirty="0">
+              <a:rPr lang="en-US" sz="2400" cap="none" spc="0" dirty="0">
                 <a:ln w="13462">
                   <a:solidFill>
-                    <a:schemeClr val="bg1"/>
+                    <a:schemeClr val="tx1"/>
                   </a:solidFill>
                   <a:prstDash val="solid"/>
                 </a:ln>
-                <a:solidFill>
-                  <a:schemeClr val="bg1"/>
-                </a:solidFill>
                 <a:effectLst>
                   <a:outerShdw dist="38100" dir="2700000" algn="bl" rotWithShape="0">
                     <a:schemeClr val="accent5"/>
@@ -4432,19 +4400,17 @@
           </a:p>
           <a:p>
             <a:pPr marL="971550" lvl="1" indent="-514350">
-              <a:buAutoNum type="arabicParenR"/>
+              <a:buFont typeface="Arial" panose="020B0604020202020204" pitchFamily="34" charset="0"/>
+              <a:buChar char="•"/>
             </a:pPr>
             <a:r>
-              <a:rPr lang="en-US" sz="2400" b="1" cap="none" spc="0" dirty="0">
+              <a:rPr lang="en-US" sz="2400" cap="none" spc="0" dirty="0">
                 <a:ln w="13462">
                   <a:solidFill>
-                    <a:schemeClr val="bg1"/>
+                    <a:schemeClr val="tx1"/>
                   </a:solidFill>
                   <a:prstDash val="solid"/>
                 </a:ln>
-                <a:solidFill>
-                  <a:schemeClr val="bg1"/>
-                </a:solidFill>
                 <a:effectLst>
                   <a:outerShdw dist="38100" dir="2700000" algn="bl" rotWithShape="0">
                     <a:schemeClr val="accent5"/>
@@ -4457,19 +4423,17 @@
           </a:p>
           <a:p>
             <a:pPr marL="514350" indent="-514350">
-              <a:buAutoNum type="arabicParenR"/>
+              <a:buFont typeface="Arial" panose="020B0604020202020204" pitchFamily="34" charset="0"/>
+              <a:buChar char="•"/>
             </a:pPr>
             <a:r>
-              <a:rPr lang="en-US" sz="2400" b="1" cap="none" spc="0" dirty="0">
+              <a:rPr lang="en-US" sz="2400" cap="none" spc="0" dirty="0">
                 <a:ln w="13462">
                   <a:solidFill>
-                    <a:schemeClr val="bg1"/>
+                    <a:schemeClr val="tx1"/>
                   </a:solidFill>
                   <a:prstDash val="solid"/>
                 </a:ln>
-                <a:solidFill>
-                  <a:schemeClr val="bg1"/>
-                </a:solidFill>
                 <a:effectLst>
                   <a:outerShdw dist="38100" dir="2700000" algn="bl" rotWithShape="0">
                     <a:schemeClr val="accent5"/>
@@ -4480,16 +4444,13 @@
               <a:t>We used the API from </a:t>
             </a:r>
             <a:r>
-              <a:rPr lang="en-US" sz="2400" b="1" cap="none" spc="0" dirty="0">
+              <a:rPr lang="en-US" sz="2400" cap="none" spc="0" dirty="0">
                 <a:ln w="13462">
                   <a:solidFill>
-                    <a:schemeClr val="bg1"/>
+                    <a:schemeClr val="tx1"/>
                   </a:solidFill>
                   <a:prstDash val="solid"/>
                 </a:ln>
-                <a:solidFill>
-                  <a:schemeClr val="bg1"/>
-                </a:solidFill>
                 <a:effectLst>
                   <a:outerShdw dist="38100" dir="2700000" algn="bl" rotWithShape="0">
                     <a:schemeClr val="accent5"/>
@@ -4507,16 +4468,13 @@
               <a:t>https://www.superheroapi.com/</a:t>
             </a:r>
             <a:r>
-              <a:rPr lang="en-US" sz="2400" b="1" cap="none" spc="0" dirty="0">
+              <a:rPr lang="en-US" sz="2400" cap="none" spc="0" dirty="0">
                 <a:ln w="13462">
                   <a:solidFill>
-                    <a:schemeClr val="bg1"/>
+                    <a:schemeClr val="tx1"/>
                   </a:solidFill>
                   <a:prstDash val="solid"/>
                 </a:ln>
-                <a:solidFill>
-                  <a:schemeClr val="bg1"/>
-                </a:solidFill>
                 <a:effectLst>
                   <a:outerShdw dist="38100" dir="2700000" algn="bl" rotWithShape="0">
                     <a:schemeClr val="accent5"/>
@@ -4529,19 +4487,17 @@
           </a:p>
           <a:p>
             <a:pPr marL="514350" indent="-514350">
-              <a:buAutoNum type="arabicParenR"/>
+              <a:buFont typeface="Arial" panose="020B0604020202020204" pitchFamily="34" charset="0"/>
+              <a:buChar char="•"/>
             </a:pPr>
             <a:r>
-              <a:rPr lang="en-US" sz="2400" b="1" cap="none" spc="0" dirty="0">
+              <a:rPr lang="en-US" sz="2400" cap="none" spc="0" dirty="0">
                 <a:ln w="13462">
                   <a:solidFill>
-                    <a:schemeClr val="bg1"/>
+                    <a:schemeClr val="tx1"/>
                   </a:solidFill>
                   <a:prstDash val="solid"/>
                 </a:ln>
-                <a:solidFill>
-                  <a:schemeClr val="bg1"/>
-                </a:solidFill>
                 <a:effectLst>
                   <a:outerShdw dist="38100" dir="2700000" algn="bl" rotWithShape="0">
                     <a:schemeClr val="accent5"/>
@@ -4552,16 +4508,13 @@
               <a:t>Manually downloaded and cleaned data from </a:t>
             </a:r>
             <a:r>
-              <a:rPr lang="en-US" sz="2400" b="1" cap="none" spc="0" dirty="0">
+              <a:rPr lang="en-US" sz="2400" cap="none" spc="0" dirty="0">
                 <a:ln w="13462">
                   <a:solidFill>
-                    <a:schemeClr val="bg1"/>
+                    <a:schemeClr val="tx1"/>
                   </a:solidFill>
                   <a:prstDash val="solid"/>
                 </a:ln>
-                <a:solidFill>
-                  <a:schemeClr val="bg1"/>
-                </a:solidFill>
                 <a:effectLst>
                   <a:outerShdw dist="38100" dir="2700000" algn="bl" rotWithShape="0">
                     <a:schemeClr val="accent5"/>
@@ -4579,16 +4532,13 @@
               <a:t>https://www.comichron.com/yearlycomicssales/</a:t>
             </a:r>
             <a:r>
-              <a:rPr lang="en-US" sz="2400" b="1" cap="none" spc="0" dirty="0">
+              <a:rPr lang="en-US" sz="2400" cap="none" spc="0" dirty="0">
                 <a:ln w="13462">
                   <a:solidFill>
-                    <a:schemeClr val="bg1"/>
+                    <a:schemeClr val="tx1"/>
                   </a:solidFill>
                   <a:prstDash val="solid"/>
                 </a:ln>
-                <a:solidFill>
-                  <a:schemeClr val="bg1"/>
-                </a:solidFill>
                 <a:effectLst>
                   <a:outerShdw dist="38100" dir="2700000" algn="bl" rotWithShape="0">
                     <a:schemeClr val="accent5"/>
@@ -4601,19 +4551,17 @@
           </a:p>
           <a:p>
             <a:pPr marL="514350" indent="-514350">
-              <a:buAutoNum type="arabicParenR"/>
+              <a:buFont typeface="Arial" panose="020B0604020202020204" pitchFamily="34" charset="0"/>
+              <a:buChar char="•"/>
             </a:pPr>
             <a:r>
-              <a:rPr lang="en-US" sz="2400" b="1" cap="none" spc="0" dirty="0">
+              <a:rPr lang="en-US" sz="2400" cap="none" spc="0" dirty="0">
                 <a:ln w="13462">
                   <a:solidFill>
-                    <a:schemeClr val="bg1"/>
+                    <a:schemeClr val="tx1"/>
                   </a:solidFill>
                   <a:prstDash val="solid"/>
                 </a:ln>
-                <a:solidFill>
-                  <a:schemeClr val="bg1"/>
-                </a:solidFill>
                 <a:effectLst>
                   <a:outerShdw dist="38100" dir="2700000" algn="bl" rotWithShape="0">
                     <a:schemeClr val="accent5"/>
@@ -4624,16 +4572,13 @@
               <a:t>Normalized statistics to reflect polling data and combined with </a:t>
             </a:r>
             <a:r>
-              <a:rPr lang="en-US" sz="2400" b="1" cap="none" spc="0" dirty="0" err="1">
+              <a:rPr lang="en-US" sz="2400" cap="none" spc="0" dirty="0" err="1">
                 <a:ln w="13462">
                   <a:solidFill>
-                    <a:schemeClr val="bg1"/>
+                    <a:schemeClr val="tx1"/>
                   </a:solidFill>
                   <a:prstDash val="solid"/>
                 </a:ln>
-                <a:solidFill>
-                  <a:schemeClr val="bg1"/>
-                </a:solidFill>
                 <a:effectLst>
                   <a:outerShdw dist="38100" dir="2700000" algn="bl" rotWithShape="0">
                     <a:schemeClr val="accent5"/>
@@ -4644,16 +4589,13 @@
               <a:t>comicbook</a:t>
             </a:r>
             <a:r>
-              <a:rPr lang="en-US" sz="2400" b="1" cap="none" spc="0" dirty="0">
+              <a:rPr lang="en-US" sz="2400" cap="none" spc="0" dirty="0">
                 <a:ln w="13462">
                   <a:solidFill>
-                    <a:schemeClr val="bg1"/>
+                    <a:schemeClr val="tx1"/>
                   </a:solidFill>
                   <a:prstDash val="solid"/>
                 </a:ln>
-                <a:solidFill>
-                  <a:schemeClr val="bg1"/>
-                </a:solidFill>
                 <a:effectLst>
                   <a:outerShdw dist="38100" dir="2700000" algn="bl" rotWithShape="0">
                     <a:schemeClr val="accent5"/>
@@ -4664,16 +4606,13 @@
               <a:t> sales into a Pandas </a:t>
             </a:r>
             <a:r>
-              <a:rPr lang="en-US" sz="2400" b="1" cap="none" spc="0" dirty="0" err="1">
+              <a:rPr lang="en-US" sz="2400" cap="none" spc="0" dirty="0" err="1">
                 <a:ln w="13462">
                   <a:solidFill>
-                    <a:schemeClr val="bg1"/>
+                    <a:schemeClr val="tx1"/>
                   </a:solidFill>
                   <a:prstDash val="solid"/>
                 </a:ln>
-                <a:solidFill>
-                  <a:schemeClr val="bg1"/>
-                </a:solidFill>
                 <a:effectLst>
                   <a:outerShdw dist="38100" dir="2700000" algn="bl" rotWithShape="0">
                     <a:schemeClr val="accent5"/>
@@ -4683,16 +4622,13 @@
               </a:rPr>
               <a:t>DataFrame</a:t>
             </a:r>
-            <a:endParaRPr lang="en-US" sz="2400" b="1" cap="none" spc="0" dirty="0">
+            <a:endParaRPr lang="en-US" sz="2400" cap="none" spc="0" dirty="0">
               <a:ln w="13462">
                 <a:solidFill>
-                  <a:schemeClr val="bg1"/>
+                  <a:schemeClr val="tx1"/>
                 </a:solidFill>
                 <a:prstDash val="solid"/>
               </a:ln>
-              <a:solidFill>
-                <a:schemeClr val="bg1"/>
-              </a:solidFill>
               <a:effectLst>
                 <a:outerShdw dist="38100" dir="2700000" algn="bl" rotWithShape="0">
                   <a:schemeClr val="accent5"/>
@@ -4723,6 +4659,725 @@
       <p:bgPr>
         <a:blipFill dpi="0" rotWithShape="1">
           <a:blip r:embed="rId2">
+            <a:alphaModFix amt="31000"/>
+            <a:lum/>
+          </a:blip>
+          <a:srcRect/>
+          <a:stretch>
+            <a:fillRect/>
+          </a:stretch>
+        </a:blipFill>
+        <a:effectLst/>
+      </p:bgPr>
+    </p:bg>
+    <p:spTree>
+      <p:nvGrpSpPr>
+        <p:cNvPr id="1" name=""/>
+        <p:cNvGrpSpPr/>
+        <p:nvPr/>
+      </p:nvGrpSpPr>
+      <p:grpSpPr>
+        <a:xfrm>
+          <a:off x="0" y="0"/>
+          <a:ext cx="0" cy="0"/>
+          <a:chOff x="0" y="0"/>
+          <a:chExt cx="0" cy="0"/>
+        </a:xfrm>
+      </p:grpSpPr>
+      <p:sp>
+        <p:nvSpPr>
+          <p:cNvPr id="5" name="Rectangle 4">
+            <a:extLst>
+              <a:ext uri="{FF2B5EF4-FFF2-40B4-BE49-F238E27FC236}">
+                <a16:creationId xmlns:a16="http://schemas.microsoft.com/office/drawing/2014/main" id="{E22E1AE6-9B91-4251-B1AE-873585D2B716}"/>
+              </a:ext>
+            </a:extLst>
+          </p:cNvPr>
+          <p:cNvSpPr/>
+          <p:nvPr/>
+        </p:nvSpPr>
+        <p:spPr>
+          <a:xfrm>
+            <a:off x="994578" y="331440"/>
+            <a:ext cx="6728125" cy="923330"/>
+          </a:xfrm>
+          <a:prstGeom prst="rect">
+            <a:avLst/>
+          </a:prstGeom>
+          <a:noFill/>
+        </p:spPr>
+        <p:txBody>
+          <a:bodyPr wrap="none" lIns="91440" tIns="45720" rIns="91440" bIns="45720">
+            <a:spAutoFit/>
+          </a:bodyPr>
+          <a:lstStyle/>
+          <a:p>
+            <a:pPr algn="ctr"/>
+            <a:r>
+              <a:rPr lang="en-US" sz="5400" b="1" cap="none" spc="0" dirty="0">
+                <a:ln w="13462">
+                  <a:solidFill>
+                    <a:schemeClr val="bg1"/>
+                  </a:solidFill>
+                  <a:prstDash val="solid"/>
+                </a:ln>
+                <a:solidFill>
+                  <a:schemeClr val="accent6">
+                    <a:lumMod val="75000"/>
+                  </a:schemeClr>
+                </a:solidFill>
+                <a:effectLst>
+                  <a:outerShdw dist="38100" dir="2700000" algn="bl" rotWithShape="0">
+                    <a:schemeClr val="accent5"/>
+                  </a:outerShdw>
+                </a:effectLst>
+                <a:latin typeface="Comic Sans MS" panose="030F0702030302020204" pitchFamily="66" charset="0"/>
+              </a:rPr>
+              <a:t>The Superhero API</a:t>
+            </a:r>
+          </a:p>
+        </p:txBody>
+      </p:sp>
+      <p:sp>
+        <p:nvSpPr>
+          <p:cNvPr id="8" name="Rectangle 7">
+            <a:extLst>
+              <a:ext uri="{FF2B5EF4-FFF2-40B4-BE49-F238E27FC236}">
+                <a16:creationId xmlns:a16="http://schemas.microsoft.com/office/drawing/2014/main" id="{F993E727-AF96-48FF-8EFE-706F7856AA6C}"/>
+              </a:ext>
+            </a:extLst>
+          </p:cNvPr>
+          <p:cNvSpPr/>
+          <p:nvPr/>
+        </p:nvSpPr>
+        <p:spPr>
+          <a:xfrm>
+            <a:off x="887313" y="1933828"/>
+            <a:ext cx="10717975" cy="3416320"/>
+          </a:xfrm>
+          <a:prstGeom prst="rect">
+            <a:avLst/>
+          </a:prstGeom>
+          <a:noFill/>
+        </p:spPr>
+        <p:txBody>
+          <a:bodyPr wrap="square" lIns="91440" tIns="45720" rIns="91440" bIns="45720">
+            <a:spAutoFit/>
+          </a:bodyPr>
+          <a:lstStyle/>
+          <a:p>
+            <a:pPr marL="342900" indent="-342900">
+              <a:buFont typeface="Arial" panose="020B0604020202020204" pitchFamily="34" charset="0"/>
+              <a:buChar char="•"/>
+            </a:pPr>
+            <a:r>
+              <a:rPr lang="en-US" sz="2400" cap="none" spc="0" dirty="0">
+                <a:ln w="13462">
+                  <a:solidFill>
+                    <a:schemeClr val="tx1"/>
+                  </a:solidFill>
+                  <a:prstDash val="solid"/>
+                </a:ln>
+                <a:effectLst>
+                  <a:outerShdw dist="38100" dir="2700000" algn="bl" rotWithShape="0">
+                    <a:schemeClr val="accent5"/>
+                  </a:outerShdw>
+                </a:effectLst>
+                <a:latin typeface="Comic Sans MS" panose="030F0702030302020204" pitchFamily="66" charset="0"/>
+              </a:rPr>
+              <a:t>Using the API from </a:t>
+            </a:r>
+            <a:r>
+              <a:rPr lang="en-US" sz="2400" cap="none" spc="0" dirty="0">
+                <a:ln w="13462">
+                  <a:solidFill>
+                    <a:schemeClr val="tx1"/>
+                  </a:solidFill>
+                  <a:prstDash val="solid"/>
+                </a:ln>
+                <a:effectLst>
+                  <a:outerShdw dist="38100" dir="2700000" algn="bl" rotWithShape="0">
+                    <a:schemeClr val="accent5"/>
+                  </a:outerShdw>
+                </a:effectLst>
+                <a:latin typeface="Comic Sans MS" panose="030F0702030302020204" pitchFamily="66" charset="0"/>
+                <a:hlinkClick r:id="rId3">
+                  <a:extLst>
+                    <a:ext uri="{A12FA001-AC4F-418D-AE19-62706E023703}">
+                      <ahyp:hlinkClr xmlns:ahyp="http://schemas.microsoft.com/office/drawing/2018/hyperlinkcolor" val="tx"/>
+                    </a:ext>
+                  </a:extLst>
+                </a:hlinkClick>
+              </a:rPr>
+              <a:t>https://www.superheroapi.com/</a:t>
+            </a:r>
+            <a:r>
+              <a:rPr lang="en-US" sz="2400" cap="none" spc="0" dirty="0">
+                <a:ln w="13462">
+                  <a:solidFill>
+                    <a:schemeClr val="tx1"/>
+                  </a:solidFill>
+                  <a:prstDash val="solid"/>
+                </a:ln>
+                <a:effectLst>
+                  <a:outerShdw dist="38100" dir="2700000" algn="bl" rotWithShape="0">
+                    <a:schemeClr val="accent5"/>
+                  </a:outerShdw>
+                </a:effectLst>
+                <a:latin typeface="Comic Sans MS" panose="030F0702030302020204" pitchFamily="66" charset="0"/>
+              </a:rPr>
+              <a:t> we collected data </a:t>
+            </a:r>
+          </a:p>
+          <a:p>
+            <a:pPr marL="800100" lvl="1" indent="-342900">
+              <a:buFont typeface="Arial" panose="020B0604020202020204" pitchFamily="34" charset="0"/>
+              <a:buChar char="•"/>
+            </a:pPr>
+            <a:r>
+              <a:rPr lang="en-US" sz="2400" cap="none" spc="0" dirty="0">
+                <a:ln w="13462">
+                  <a:solidFill>
+                    <a:schemeClr val="tx1"/>
+                  </a:solidFill>
+                  <a:prstDash val="solid"/>
+                </a:ln>
+                <a:effectLst>
+                  <a:outerShdw dist="38100" dir="2700000" algn="bl" rotWithShape="0">
+                    <a:schemeClr val="accent5"/>
+                  </a:outerShdw>
+                </a:effectLst>
+                <a:latin typeface="Comic Sans MS" panose="030F0702030302020204" pitchFamily="66" charset="0"/>
+              </a:rPr>
+              <a:t>over 700 superheroes </a:t>
+            </a:r>
+          </a:p>
+          <a:p>
+            <a:pPr marL="800100" lvl="1" indent="-342900">
+              <a:buFont typeface="Arial" panose="020B0604020202020204" pitchFamily="34" charset="0"/>
+              <a:buChar char="•"/>
+            </a:pPr>
+            <a:r>
+              <a:rPr lang="en-US" sz="2400" cap="none" spc="0" dirty="0">
+                <a:ln w="13462">
+                  <a:solidFill>
+                    <a:schemeClr val="tx1"/>
+                  </a:solidFill>
+                  <a:prstDash val="solid"/>
+                </a:ln>
+                <a:effectLst>
+                  <a:outerShdw dist="38100" dir="2700000" algn="bl" rotWithShape="0">
+                    <a:schemeClr val="accent5"/>
+                  </a:outerShdw>
+                </a:effectLst>
+                <a:latin typeface="Comic Sans MS" panose="030F0702030302020204" pitchFamily="66" charset="0"/>
+              </a:rPr>
+              <a:t>wide range data like name, group affiliation, and known relatives </a:t>
+            </a:r>
+          </a:p>
+          <a:p>
+            <a:pPr marL="800100" lvl="1" indent="-342900">
+              <a:buFont typeface="Arial" panose="020B0604020202020204" pitchFamily="34" charset="0"/>
+              <a:buChar char="•"/>
+            </a:pPr>
+            <a:r>
+              <a:rPr lang="en-US" sz="2400" cap="none" spc="0" dirty="0">
+                <a:ln w="13462">
+                  <a:solidFill>
+                    <a:schemeClr val="tx1"/>
+                  </a:solidFill>
+                  <a:prstDash val="solid"/>
+                </a:ln>
+                <a:effectLst>
+                  <a:outerShdw dist="38100" dir="2700000" algn="bl" rotWithShape="0">
+                    <a:schemeClr val="accent5"/>
+                  </a:outerShdw>
+                </a:effectLst>
+                <a:latin typeface="Comic Sans MS" panose="030F0702030302020204" pitchFamily="66" charset="0"/>
+              </a:rPr>
+              <a:t>ranking from 0 to 100 of their statistics as determined by the superhero database </a:t>
+            </a:r>
+            <a:r>
+              <a:rPr lang="en-US" sz="2400" cap="none" spc="0" dirty="0">
+                <a:ln w="13462">
+                  <a:solidFill>
+                    <a:schemeClr val="tx1"/>
+                  </a:solidFill>
+                  <a:prstDash val="solid"/>
+                </a:ln>
+                <a:effectLst>
+                  <a:outerShdw dist="38100" dir="2700000" algn="bl" rotWithShape="0">
+                    <a:schemeClr val="accent5"/>
+                  </a:outerShdw>
+                </a:effectLst>
+                <a:latin typeface="Comic Sans MS" panose="030F0702030302020204" pitchFamily="66" charset="0"/>
+                <a:hlinkClick r:id="rId4">
+                  <a:extLst>
+                    <a:ext uri="{A12FA001-AC4F-418D-AE19-62706E023703}">
+                      <ahyp:hlinkClr xmlns:ahyp="http://schemas.microsoft.com/office/drawing/2018/hyperlinkcolor" val="tx"/>
+                    </a:ext>
+                  </a:extLst>
+                </a:hlinkClick>
+              </a:rPr>
+              <a:t>https://www.superherodb.com/</a:t>
+            </a:r>
+            <a:endParaRPr lang="en-US" sz="2400" cap="none" spc="0" dirty="0">
+              <a:ln w="13462">
+                <a:solidFill>
+                  <a:schemeClr val="tx1"/>
+                </a:solidFill>
+                <a:prstDash val="solid"/>
+              </a:ln>
+              <a:effectLst>
+                <a:outerShdw dist="38100" dir="2700000" algn="bl" rotWithShape="0">
+                  <a:schemeClr val="accent5"/>
+                </a:outerShdw>
+              </a:effectLst>
+              <a:latin typeface="Comic Sans MS" panose="030F0702030302020204" pitchFamily="66" charset="0"/>
+            </a:endParaRPr>
+          </a:p>
+          <a:p>
+            <a:pPr marL="342900" indent="-342900">
+              <a:buFont typeface="Arial" panose="020B0604020202020204" pitchFamily="34" charset="0"/>
+              <a:buChar char="•"/>
+            </a:pPr>
+            <a:r>
+              <a:rPr lang="en-US" sz="2400" cap="none" spc="0" dirty="0">
+                <a:ln w="13462">
+                  <a:solidFill>
+                    <a:schemeClr val="tx1"/>
+                  </a:solidFill>
+                  <a:prstDash val="solid"/>
+                </a:ln>
+                <a:effectLst>
+                  <a:outerShdw dist="38100" dir="2700000" algn="bl" rotWithShape="0">
+                    <a:schemeClr val="accent5"/>
+                  </a:outerShdw>
+                </a:effectLst>
+                <a:latin typeface="Comic Sans MS" panose="030F0702030302020204" pitchFamily="66" charset="0"/>
+              </a:rPr>
+              <a:t>We cleaned the data for the raw statistics and superheroes’ names</a:t>
+            </a:r>
+          </a:p>
+          <a:p>
+            <a:pPr marL="800100" lvl="1" indent="-342900">
+              <a:buFont typeface="Arial" panose="020B0604020202020204" pitchFamily="34" charset="0"/>
+              <a:buChar char="•"/>
+            </a:pPr>
+            <a:r>
+              <a:rPr lang="en-US" sz="2400" cap="none" spc="0" dirty="0">
+                <a:ln w="13462">
+                  <a:solidFill>
+                    <a:schemeClr val="tx1"/>
+                  </a:solidFill>
+                  <a:prstDash val="solid"/>
+                </a:ln>
+                <a:effectLst>
+                  <a:outerShdw dist="38100" dir="2700000" algn="bl" rotWithShape="0">
+                    <a:schemeClr val="accent5"/>
+                  </a:outerShdw>
+                </a:effectLst>
+                <a:latin typeface="Comic Sans MS" panose="030F0702030302020204" pitchFamily="66" charset="0"/>
+              </a:rPr>
+              <a:t>Combined duplicated (superheroes with more than one alter ego)</a:t>
+            </a:r>
+          </a:p>
+          <a:p>
+            <a:pPr marL="800100" lvl="1" indent="-342900">
+              <a:buFont typeface="Arial" panose="020B0604020202020204" pitchFamily="34" charset="0"/>
+              <a:buChar char="•"/>
+            </a:pPr>
+            <a:r>
+              <a:rPr lang="en-US" sz="2400" cap="none" spc="0" dirty="0">
+                <a:ln w="13462">
+                  <a:solidFill>
+                    <a:schemeClr val="tx1"/>
+                  </a:solidFill>
+                  <a:prstDash val="solid"/>
+                </a:ln>
+                <a:effectLst>
+                  <a:outerShdw dist="38100" dir="2700000" algn="bl" rotWithShape="0">
+                    <a:schemeClr val="accent5"/>
+                  </a:outerShdw>
+                </a:effectLst>
+                <a:latin typeface="Comic Sans MS" panose="030F0702030302020204" pitchFamily="66" charset="0"/>
+              </a:rPr>
+              <a:t>Removed superheroes with NA values</a:t>
+            </a:r>
+          </a:p>
+          <a:p>
+            <a:pPr marL="800100" lvl="1" indent="-342900">
+              <a:buFont typeface="Arial" panose="020B0604020202020204" pitchFamily="34" charset="0"/>
+              <a:buChar char="•"/>
+            </a:pPr>
+            <a:r>
+              <a:rPr lang="en-US" sz="2400" cap="none" spc="0" dirty="0">
+                <a:ln w="13462">
+                  <a:solidFill>
+                    <a:schemeClr val="tx1"/>
+                  </a:solidFill>
+                  <a:prstDash val="solid"/>
+                </a:ln>
+                <a:effectLst>
+                  <a:outerShdw dist="38100" dir="2700000" algn="bl" rotWithShape="0">
+                    <a:schemeClr val="accent5"/>
+                  </a:outerShdw>
+                </a:effectLst>
+                <a:latin typeface="Comic Sans MS" panose="030F0702030302020204" pitchFamily="66" charset="0"/>
+              </a:rPr>
+              <a:t>Applied our normalization to their statistics</a:t>
+            </a:r>
+          </a:p>
+        </p:txBody>
+      </p:sp>
+    </p:spTree>
+    <p:extLst>
+      <p:ext uri="{BB962C8B-B14F-4D97-AF65-F5344CB8AC3E}">
+        <p14:creationId xmlns:p14="http://schemas.microsoft.com/office/powerpoint/2010/main" val="2951421090"/>
+      </p:ext>
+    </p:extLst>
+  </p:cSld>
+  <p:clrMapOvr>
+    <a:masterClrMapping/>
+  </p:clrMapOvr>
+</p:sld>
+</file>
+
+<file path=ppt/slides/slide5.xml><?xml version="1.0" encoding="utf-8"?>
+<p:sld xmlns:a="http://schemas.openxmlformats.org/drawingml/2006/main" xmlns:r="http://schemas.openxmlformats.org/officeDocument/2006/relationships" xmlns:p="http://schemas.openxmlformats.org/presentationml/2006/main">
+  <p:cSld>
+    <p:bg>
+      <p:bgPr>
+        <a:blipFill dpi="0" rotWithShape="1">
+          <a:blip r:embed="rId2">
+            <a:alphaModFix amt="31000"/>
+            <a:lum/>
+          </a:blip>
+          <a:srcRect/>
+          <a:stretch>
+            <a:fillRect/>
+          </a:stretch>
+        </a:blipFill>
+        <a:effectLst/>
+      </p:bgPr>
+    </p:bg>
+    <p:spTree>
+      <p:nvGrpSpPr>
+        <p:cNvPr id="1" name=""/>
+        <p:cNvGrpSpPr/>
+        <p:nvPr/>
+      </p:nvGrpSpPr>
+      <p:grpSpPr>
+        <a:xfrm>
+          <a:off x="0" y="0"/>
+          <a:ext cx="0" cy="0"/>
+          <a:chOff x="0" y="0"/>
+          <a:chExt cx="0" cy="0"/>
+        </a:xfrm>
+      </p:grpSpPr>
+      <p:sp>
+        <p:nvSpPr>
+          <p:cNvPr id="4" name="Rectangle 3">
+            <a:extLst>
+              <a:ext uri="{FF2B5EF4-FFF2-40B4-BE49-F238E27FC236}">
+                <a16:creationId xmlns:a16="http://schemas.microsoft.com/office/drawing/2014/main" id="{50883764-870B-40A3-BABD-0D046226A5F8}"/>
+              </a:ext>
+            </a:extLst>
+          </p:cNvPr>
+          <p:cNvSpPr/>
+          <p:nvPr/>
+        </p:nvSpPr>
+        <p:spPr>
+          <a:xfrm>
+            <a:off x="-274329" y="1141903"/>
+            <a:ext cx="6370329" cy="923330"/>
+          </a:xfrm>
+          <a:prstGeom prst="rect">
+            <a:avLst/>
+          </a:prstGeom>
+          <a:noFill/>
+        </p:spPr>
+        <p:txBody>
+          <a:bodyPr wrap="square" lIns="91440" tIns="45720" rIns="91440" bIns="45720">
+            <a:spAutoFit/>
+          </a:bodyPr>
+          <a:lstStyle/>
+          <a:p>
+            <a:pPr algn="ctr"/>
+            <a:r>
+              <a:rPr lang="en-US" sz="5400" b="1" cap="none" spc="0" dirty="0">
+                <a:ln w="13462">
+                  <a:solidFill>
+                    <a:schemeClr val="bg1"/>
+                  </a:solidFill>
+                  <a:prstDash val="solid"/>
+                </a:ln>
+                <a:solidFill>
+                  <a:schemeClr val="accent6">
+                    <a:lumMod val="75000"/>
+                  </a:schemeClr>
+                </a:solidFill>
+                <a:effectLst>
+                  <a:outerShdw dist="38100" dir="2700000" algn="bl" rotWithShape="0">
+                    <a:schemeClr val="accent5"/>
+                  </a:outerShdw>
+                </a:effectLst>
+                <a:latin typeface="Comic Sans MS" panose="030F0702030302020204" pitchFamily="66" charset="0"/>
+              </a:rPr>
+              <a:t>Comic book Sales</a:t>
+            </a:r>
+          </a:p>
+        </p:txBody>
+      </p:sp>
+      <p:sp>
+        <p:nvSpPr>
+          <p:cNvPr id="7" name="Rectangle 6">
+            <a:extLst>
+              <a:ext uri="{FF2B5EF4-FFF2-40B4-BE49-F238E27FC236}">
+                <a16:creationId xmlns:a16="http://schemas.microsoft.com/office/drawing/2014/main" id="{349A59B9-9A9E-46A7-8C3F-35CE0426B923}"/>
+              </a:ext>
+            </a:extLst>
+          </p:cNvPr>
+          <p:cNvSpPr/>
+          <p:nvPr/>
+        </p:nvSpPr>
+        <p:spPr>
+          <a:xfrm>
+            <a:off x="0" y="3005108"/>
+            <a:ext cx="11330395" cy="3416320"/>
+          </a:xfrm>
+          <a:prstGeom prst="rect">
+            <a:avLst/>
+          </a:prstGeom>
+          <a:noFill/>
+        </p:spPr>
+        <p:txBody>
+          <a:bodyPr wrap="square" lIns="91440" tIns="45720" rIns="91440" bIns="45720">
+            <a:spAutoFit/>
+          </a:bodyPr>
+          <a:lstStyle/>
+          <a:p>
+            <a:pPr marL="342900" indent="-342900">
+              <a:buFont typeface="Arial" panose="020B0604020202020204" pitchFamily="34" charset="0"/>
+              <a:buChar char="•"/>
+            </a:pPr>
+            <a:r>
+              <a:rPr lang="en-US" sz="2400" cap="none" spc="0" dirty="0">
+                <a:ln w="13462">
+                  <a:solidFill>
+                    <a:schemeClr val="tx1"/>
+                  </a:solidFill>
+                  <a:prstDash val="solid"/>
+                </a:ln>
+                <a:effectLst>
+                  <a:outerShdw dist="38100" dir="2700000" algn="bl" rotWithShape="0">
+                    <a:schemeClr val="accent5"/>
+                  </a:outerShdw>
+                </a:effectLst>
+                <a:latin typeface="Comic Sans MS" panose="030F0702030302020204" pitchFamily="66" charset="0"/>
+              </a:rPr>
+              <a:t>Data was retrieved from </a:t>
+            </a:r>
+            <a:r>
+              <a:rPr lang="en-US" sz="2400" cap="none" spc="0" dirty="0">
+                <a:ln w="13462">
+                  <a:solidFill>
+                    <a:schemeClr val="tx1"/>
+                  </a:solidFill>
+                  <a:prstDash val="solid"/>
+                </a:ln>
+                <a:effectLst>
+                  <a:outerShdw dist="38100" dir="2700000" algn="bl" rotWithShape="0">
+                    <a:schemeClr val="accent5"/>
+                  </a:outerShdw>
+                </a:effectLst>
+                <a:latin typeface="Comic Sans MS" panose="030F0702030302020204" pitchFamily="66" charset="0"/>
+                <a:hlinkClick r:id="rId3">
+                  <a:extLst>
+                    <a:ext uri="{A12FA001-AC4F-418D-AE19-62706E023703}">
+                      <ahyp:hlinkClr xmlns:ahyp="http://schemas.microsoft.com/office/drawing/2018/hyperlinkcolor" val="tx"/>
+                    </a:ext>
+                  </a:extLst>
+                </a:hlinkClick>
+              </a:rPr>
+              <a:t>https://www.comichron.com/yearlycomicssales/</a:t>
+            </a:r>
+            <a:r>
+              <a:rPr lang="en-US" sz="2400" cap="none" spc="0" dirty="0">
+                <a:ln w="13462">
+                  <a:solidFill>
+                    <a:schemeClr val="tx1"/>
+                  </a:solidFill>
+                  <a:prstDash val="solid"/>
+                </a:ln>
+                <a:effectLst>
+                  <a:outerShdw dist="38100" dir="2700000" algn="bl" rotWithShape="0">
+                    <a:schemeClr val="accent5"/>
+                  </a:outerShdw>
+                </a:effectLst>
+                <a:latin typeface="Comic Sans MS" panose="030F0702030302020204" pitchFamily="66" charset="0"/>
+              </a:rPr>
+              <a:t> </a:t>
+            </a:r>
+          </a:p>
+          <a:p>
+            <a:pPr marL="800100" lvl="1" indent="-342900">
+              <a:buFont typeface="Arial" panose="020B0604020202020204" pitchFamily="34" charset="0"/>
+              <a:buChar char="•"/>
+            </a:pPr>
+            <a:r>
+              <a:rPr lang="en-US" sz="2400" cap="none" spc="0" dirty="0">
+                <a:ln w="13462">
+                  <a:solidFill>
+                    <a:schemeClr val="tx1"/>
+                  </a:solidFill>
+                  <a:prstDash val="solid"/>
+                </a:ln>
+                <a:effectLst>
+                  <a:outerShdw dist="38100" dir="2700000" algn="bl" rotWithShape="0">
+                    <a:schemeClr val="accent5"/>
+                  </a:outerShdw>
+                </a:effectLst>
+                <a:latin typeface="Comic Sans MS" panose="030F0702030302020204" pitchFamily="66" charset="0"/>
+              </a:rPr>
+              <a:t>We were unable to find a database or an API which held individual comic book sales however this site contained the data we needed</a:t>
+            </a:r>
+          </a:p>
+          <a:p>
+            <a:pPr marL="800100" lvl="1" indent="-342900">
+              <a:buFont typeface="Arial" panose="020B0604020202020204" pitchFamily="34" charset="0"/>
+              <a:buChar char="•"/>
+            </a:pPr>
+            <a:r>
+              <a:rPr lang="en-US" sz="2400" cap="none" spc="0" dirty="0">
+                <a:ln w="13462">
+                  <a:solidFill>
+                    <a:schemeClr val="tx1"/>
+                  </a:solidFill>
+                  <a:prstDash val="solid"/>
+                </a:ln>
+                <a:effectLst>
+                  <a:outerShdw dist="38100" dir="2700000" algn="bl" rotWithShape="0">
+                    <a:schemeClr val="accent5"/>
+                  </a:outerShdw>
+                </a:effectLst>
+                <a:latin typeface="Comic Sans MS" panose="030F0702030302020204" pitchFamily="66" charset="0"/>
+              </a:rPr>
+              <a:t>After collecting the sales data we converted it into a Data Frame </a:t>
+            </a:r>
+          </a:p>
+          <a:p>
+            <a:pPr marL="800100" lvl="1" indent="-342900">
+              <a:buFont typeface="Arial" panose="020B0604020202020204" pitchFamily="34" charset="0"/>
+              <a:buChar char="•"/>
+            </a:pPr>
+            <a:endParaRPr lang="en-US" sz="2400" cap="none" spc="0" dirty="0">
+              <a:ln w="13462">
+                <a:solidFill>
+                  <a:schemeClr val="tx1"/>
+                </a:solidFill>
+                <a:prstDash val="solid"/>
+              </a:ln>
+              <a:effectLst>
+                <a:outerShdw dist="38100" dir="2700000" algn="bl" rotWithShape="0">
+                  <a:schemeClr val="accent5"/>
+                </a:outerShdw>
+              </a:effectLst>
+              <a:latin typeface="Comic Sans MS" panose="030F0702030302020204" pitchFamily="66" charset="0"/>
+            </a:endParaRPr>
+          </a:p>
+          <a:p>
+            <a:pPr marL="342900" indent="-342900">
+              <a:buFont typeface="Arial" panose="020B0604020202020204" pitchFamily="34" charset="0"/>
+              <a:buChar char="•"/>
+            </a:pPr>
+            <a:r>
+              <a:rPr lang="en-US" sz="2400" cap="none" spc="0" dirty="0">
+                <a:ln w="13462">
+                  <a:solidFill>
+                    <a:schemeClr val="tx1"/>
+                  </a:solidFill>
+                  <a:prstDash val="solid"/>
+                </a:ln>
+                <a:effectLst>
+                  <a:outerShdw dist="38100" dir="2700000" algn="bl" rotWithShape="0">
+                    <a:schemeClr val="accent5"/>
+                  </a:outerShdw>
+                </a:effectLst>
+                <a:latin typeface="Comic Sans MS" panose="030F0702030302020204" pitchFamily="66" charset="0"/>
+              </a:rPr>
+              <a:t>Issues</a:t>
+            </a:r>
+          </a:p>
+          <a:p>
+            <a:pPr marL="800100" lvl="1" indent="-342900">
+              <a:buFont typeface="Arial" panose="020B0604020202020204" pitchFamily="34" charset="0"/>
+              <a:buChar char="•"/>
+            </a:pPr>
+            <a:r>
+              <a:rPr lang="en-US" sz="2400" cap="none" spc="0" dirty="0">
+                <a:ln w="13462">
+                  <a:solidFill>
+                    <a:schemeClr val="tx1"/>
+                  </a:solidFill>
+                  <a:prstDash val="solid"/>
+                </a:ln>
+                <a:effectLst>
+                  <a:outerShdw dist="38100" dir="2700000" algn="bl" rotWithShape="0">
+                    <a:schemeClr val="accent5"/>
+                  </a:outerShdw>
+                </a:effectLst>
+                <a:latin typeface="Comic Sans MS" panose="030F0702030302020204" pitchFamily="66" charset="0"/>
+              </a:rPr>
+              <a:t>The comic book sales only was reliable from 2009 to present</a:t>
+            </a:r>
+          </a:p>
+          <a:p>
+            <a:pPr marL="800100" lvl="1" indent="-342900">
+              <a:buFont typeface="Arial" panose="020B0604020202020204" pitchFamily="34" charset="0"/>
+              <a:buChar char="•"/>
+            </a:pPr>
+            <a:r>
+              <a:rPr lang="en-US" sz="2400" cap="none" spc="0" dirty="0">
+                <a:ln w="13462">
+                  <a:solidFill>
+                    <a:schemeClr val="tx1"/>
+                  </a:solidFill>
+                  <a:prstDash val="solid"/>
+                </a:ln>
+                <a:effectLst>
+                  <a:outerShdw dist="38100" dir="2700000" algn="bl" rotWithShape="0">
+                    <a:schemeClr val="accent5"/>
+                  </a:outerShdw>
+                </a:effectLst>
+                <a:latin typeface="Comic Sans MS" panose="030F0702030302020204" pitchFamily="66" charset="0"/>
+              </a:rPr>
+              <a:t>This had the data but was in a non-downloadable list.  Jordan had to copy and paste the information by hand to a .csv</a:t>
+            </a:r>
+          </a:p>
+        </p:txBody>
+      </p:sp>
+    </p:spTree>
+    <p:extLst>
+      <p:ext uri="{BB962C8B-B14F-4D97-AF65-F5344CB8AC3E}">
+        <p14:creationId xmlns:p14="http://schemas.microsoft.com/office/powerpoint/2010/main" val="3617764184"/>
+      </p:ext>
+    </p:extLst>
+  </p:cSld>
+  <p:clrMapOvr>
+    <a:masterClrMapping/>
+  </p:clrMapOvr>
+</p:sld>
+</file>
+
+<file path=ppt/slides/slide6.xml><?xml version="1.0" encoding="utf-8"?>
+<p:sld xmlns:a="http://schemas.openxmlformats.org/drawingml/2006/main" xmlns:r="http://schemas.openxmlformats.org/officeDocument/2006/relationships" xmlns:p="http://schemas.openxmlformats.org/presentationml/2006/main">
+  <p:cSld>
+    <p:bg>
+      <p:bgPr>
+        <a:blipFill dpi="0" rotWithShape="1">
+          <a:blip r:embed="rId2">
+            <a:alphaModFix amt="31000"/>
             <a:lum/>
           </a:blip>
           <a:srcRect/>
@@ -4821,7 +5476,7 @@
         </p:nvSpPr>
         <p:spPr>
           <a:xfrm>
-            <a:off x="10483421" y="3429000"/>
+            <a:off x="10150439" y="553998"/>
             <a:ext cx="679994" cy="369332"/>
           </a:xfrm>
           <a:prstGeom prst="rect">
@@ -4856,7 +5511,7 @@
         </p:nvSpPr>
         <p:spPr>
           <a:xfrm>
-            <a:off x="10454567" y="6488668"/>
+            <a:off x="11140367" y="3059668"/>
             <a:ext cx="679994" cy="369332"/>
           </a:xfrm>
           <a:prstGeom prst="rect">
@@ -4945,7 +5600,7 @@
         <p:spPr>
           <a:xfrm>
             <a:off x="132334" y="1237173"/>
-            <a:ext cx="7210575" cy="5262979"/>
+            <a:ext cx="7210575" cy="4893647"/>
           </a:xfrm>
           <a:prstGeom prst="rect">
             <a:avLst/>
@@ -4959,16 +5614,13 @@
           <a:lstStyle/>
           <a:p>
             <a:r>
-              <a:rPr lang="en-US" sz="2400" b="1" cap="none" spc="0" dirty="0">
+              <a:rPr lang="en-US" sz="2400" cap="none" spc="0" dirty="0">
                 <a:ln w="13462">
                   <a:solidFill>
-                    <a:schemeClr val="bg1"/>
+                    <a:schemeClr val="tx1"/>
                   </a:solidFill>
                   <a:prstDash val="solid"/>
                 </a:ln>
-                <a:solidFill>
-                  <a:schemeClr val="bg1"/>
-                </a:solidFill>
                 <a:effectLst>
                   <a:outerShdw dist="38100" dir="2700000" algn="bl" rotWithShape="0">
                     <a:schemeClr val="accent5"/>
@@ -4980,16 +5632,13 @@
           </a:p>
           <a:p>
             <a:r>
-              <a:rPr lang="en-US" sz="2400" b="1" cap="none" spc="0" dirty="0">
+              <a:rPr lang="en-US" sz="2400" cap="none" spc="0" dirty="0">
                 <a:ln w="13462">
                   <a:solidFill>
-                    <a:schemeClr val="bg1"/>
+                    <a:schemeClr val="tx1"/>
                   </a:solidFill>
                   <a:prstDash val="solid"/>
                 </a:ln>
-                <a:solidFill>
-                  <a:schemeClr val="bg1"/>
-                </a:solidFill>
                 <a:effectLst>
                   <a:outerShdw dist="38100" dir="2700000" algn="bl" rotWithShape="0">
                     <a:schemeClr val="accent5"/>
@@ -5001,16 +5650,13 @@
           </a:p>
           <a:p>
             <a:r>
-              <a:rPr lang="en-US" sz="2400" b="1" cap="none" spc="0" dirty="0">
+              <a:rPr lang="en-US" sz="2400" cap="none" spc="0" dirty="0">
                 <a:ln w="13462">
                   <a:solidFill>
-                    <a:schemeClr val="bg1"/>
+                    <a:schemeClr val="tx1"/>
                   </a:solidFill>
                   <a:prstDash val="solid"/>
                 </a:ln>
-                <a:solidFill>
-                  <a:schemeClr val="bg1"/>
-                </a:solidFill>
                 <a:effectLst>
                   <a:outerShdw dist="38100" dir="2700000" algn="bl" rotWithShape="0">
                     <a:schemeClr val="accent5"/>
@@ -5023,16 +5669,13 @@
           <a:p>
             <a:pPr lvl="1"/>
             <a:r>
-              <a:rPr lang="en-US" sz="2400" b="1" cap="none" spc="0" dirty="0">
+              <a:rPr lang="en-US" sz="2400" cap="none" spc="0" dirty="0">
                 <a:ln w="13462">
                   <a:solidFill>
-                    <a:schemeClr val="bg1"/>
+                    <a:schemeClr val="tx1"/>
                   </a:solidFill>
                   <a:prstDash val="solid"/>
                 </a:ln>
-                <a:solidFill>
-                  <a:schemeClr val="bg1"/>
-                </a:solidFill>
                 <a:effectLst>
                   <a:outerShdw dist="38100" dir="2700000" algn="bl" rotWithShape="0">
                     <a:schemeClr val="accent5"/>
@@ -5047,16 +5690,13 @@
               <a:buNone/>
             </a:pPr>
             <a:r>
-              <a:rPr lang="en-US" sz="2400" b="1" cap="none" spc="0" dirty="0">
+              <a:rPr lang="en-US" sz="2400" cap="none" spc="0" dirty="0">
                 <a:ln w="13462">
                   <a:solidFill>
-                    <a:schemeClr val="bg1"/>
+                    <a:schemeClr val="tx1"/>
                   </a:solidFill>
                   <a:prstDash val="solid"/>
                 </a:ln>
-                <a:solidFill>
-                  <a:schemeClr val="bg1"/>
-                </a:solidFill>
                 <a:effectLst>
                   <a:outerShdw dist="38100" dir="2700000" algn="bl" rotWithShape="0">
                     <a:schemeClr val="accent5"/>
@@ -5066,16 +5706,13 @@
               <a:t>norm = </a:t>
             </a:r>
             <a:r>
-              <a:rPr lang="en-US" sz="2400" b="1" cap="none" spc="0" dirty="0" err="1">
+              <a:rPr lang="en-US" sz="2400" cap="none" spc="0" dirty="0" err="1">
                 <a:ln w="13462">
                   <a:solidFill>
-                    <a:schemeClr val="bg1"/>
+                    <a:schemeClr val="tx1"/>
                   </a:solidFill>
                   <a:prstDash val="solid"/>
                 </a:ln>
-                <a:solidFill>
-                  <a:schemeClr val="bg1"/>
-                </a:solidFill>
                 <a:effectLst>
                   <a:outerShdw dist="38100" dir="2700000" algn="bl" rotWithShape="0">
                     <a:schemeClr val="accent5"/>
@@ -5085,16 +5722,13 @@
               <a:t>combined_df.mean</a:t>
             </a:r>
             <a:r>
-              <a:rPr lang="en-US" sz="2400" b="1" cap="none" spc="0" dirty="0">
+              <a:rPr lang="en-US" sz="2400" cap="none" spc="0" dirty="0">
                 <a:ln w="13462">
                   <a:solidFill>
-                    <a:schemeClr val="bg1"/>
+                    <a:schemeClr val="tx1"/>
                   </a:solidFill>
                   <a:prstDash val="solid"/>
                 </a:ln>
-                <a:solidFill>
-                  <a:schemeClr val="bg1"/>
-                </a:solidFill>
                 <a:effectLst>
                   <a:outerShdw dist="38100" dir="2700000" algn="bl" rotWithShape="0">
                     <a:schemeClr val="accent5"/>
@@ -5109,16 +5743,13 @@
               <a:buNone/>
             </a:pPr>
             <a:r>
-              <a:rPr lang="en-US" sz="2400" b="1" cap="none" spc="0" dirty="0" err="1">
+              <a:rPr lang="en-US" sz="2400" cap="none" spc="0" dirty="0" err="1">
                 <a:ln w="13462">
                   <a:solidFill>
-                    <a:schemeClr val="bg1"/>
+                    <a:schemeClr val="tx1"/>
                   </a:solidFill>
                   <a:prstDash val="solid"/>
                 </a:ln>
-                <a:solidFill>
-                  <a:schemeClr val="bg1"/>
-                </a:solidFill>
                 <a:effectLst>
                   <a:outerShdw dist="38100" dir="2700000" algn="bl" rotWithShape="0">
                     <a:schemeClr val="accent5"/>
@@ -5128,16 +5759,13 @@
               <a:t>weights_df</a:t>
             </a:r>
             <a:r>
-              <a:rPr lang="en-US" sz="2400" b="1" cap="none" spc="0" dirty="0">
+              <a:rPr lang="en-US" sz="2400" cap="none" spc="0" dirty="0">
                 <a:ln w="13462">
                   <a:solidFill>
-                    <a:schemeClr val="bg1"/>
+                    <a:schemeClr val="tx1"/>
                   </a:solidFill>
                   <a:prstDash val="solid"/>
                 </a:ln>
-                <a:solidFill>
-                  <a:schemeClr val="bg1"/>
-                </a:solidFill>
                 <a:effectLst>
                   <a:outerShdw dist="38100" dir="2700000" algn="bl" rotWithShape="0">
                     <a:schemeClr val="accent5"/>
@@ -5147,16 +5775,13 @@
               <a:t> = </a:t>
             </a:r>
             <a:r>
-              <a:rPr lang="en-US" sz="2400" b="1" cap="none" spc="0" dirty="0" err="1">
+              <a:rPr lang="en-US" sz="2400" cap="none" spc="0" dirty="0" err="1">
                 <a:ln w="13462">
                   <a:solidFill>
-                    <a:schemeClr val="bg1"/>
+                    <a:schemeClr val="tx1"/>
                   </a:solidFill>
                   <a:prstDash val="solid"/>
                 </a:ln>
-                <a:solidFill>
-                  <a:schemeClr val="bg1"/>
-                </a:solidFill>
                 <a:effectLst>
                   <a:outerShdw dist="38100" dir="2700000" algn="bl" rotWithShape="0">
                     <a:schemeClr val="accent5"/>
@@ -5166,16 +5791,13 @@
               <a:t>combined_df.mean</a:t>
             </a:r>
             <a:r>
-              <a:rPr lang="en-US" sz="2400" b="1" cap="none" spc="0" dirty="0">
+              <a:rPr lang="en-US" sz="2400" cap="none" spc="0" dirty="0">
                 <a:ln w="13462">
                   <a:solidFill>
-                    <a:schemeClr val="bg1"/>
+                    <a:schemeClr val="tx1"/>
                   </a:solidFill>
                   <a:prstDash val="solid"/>
                 </a:ln>
-                <a:solidFill>
-                  <a:schemeClr val="bg1"/>
-                </a:solidFill>
                 <a:effectLst>
                   <a:outerShdw dist="38100" dir="2700000" algn="bl" rotWithShape="0">
                     <a:schemeClr val="accent5"/>
@@ -5191,738 +5813,6 @@
     <p:extLst>
       <p:ext uri="{BB962C8B-B14F-4D97-AF65-F5344CB8AC3E}">
         <p14:creationId xmlns:p14="http://schemas.microsoft.com/office/powerpoint/2010/main" val="1977654614"/>
-      </p:ext>
-    </p:extLst>
-  </p:cSld>
-  <p:clrMapOvr>
-    <a:masterClrMapping/>
-  </p:clrMapOvr>
-</p:sld>
-</file>
-
-<file path=ppt/slides/slide5.xml><?xml version="1.0" encoding="utf-8"?>
-<p:sld xmlns:a="http://schemas.openxmlformats.org/drawingml/2006/main" xmlns:r="http://schemas.openxmlformats.org/officeDocument/2006/relationships" xmlns:p="http://schemas.openxmlformats.org/presentationml/2006/main">
-  <p:cSld>
-    <p:bg>
-      <p:bgPr>
-        <a:blipFill dpi="0" rotWithShape="1">
-          <a:blip r:embed="rId2">
-            <a:lum/>
-          </a:blip>
-          <a:srcRect/>
-          <a:stretch>
-            <a:fillRect/>
-          </a:stretch>
-        </a:blipFill>
-        <a:effectLst/>
-      </p:bgPr>
-    </p:bg>
-    <p:spTree>
-      <p:nvGrpSpPr>
-        <p:cNvPr id="1" name=""/>
-        <p:cNvGrpSpPr/>
-        <p:nvPr/>
-      </p:nvGrpSpPr>
-      <p:grpSpPr>
-        <a:xfrm>
-          <a:off x="0" y="0"/>
-          <a:ext cx="0" cy="0"/>
-          <a:chOff x="0" y="0"/>
-          <a:chExt cx="0" cy="0"/>
-        </a:xfrm>
-      </p:grpSpPr>
-      <p:sp>
-        <p:nvSpPr>
-          <p:cNvPr id="5" name="Rectangle 4">
-            <a:extLst>
-              <a:ext uri="{FF2B5EF4-FFF2-40B4-BE49-F238E27FC236}">
-                <a16:creationId xmlns:a16="http://schemas.microsoft.com/office/drawing/2014/main" id="{E22E1AE6-9B91-4251-B1AE-873585D2B716}"/>
-              </a:ext>
-            </a:extLst>
-          </p:cNvPr>
-          <p:cNvSpPr/>
-          <p:nvPr/>
-        </p:nvSpPr>
-        <p:spPr>
-          <a:xfrm>
-            <a:off x="994578" y="331440"/>
-            <a:ext cx="6728125" cy="923330"/>
-          </a:xfrm>
-          <a:prstGeom prst="rect">
-            <a:avLst/>
-          </a:prstGeom>
-          <a:noFill/>
-        </p:spPr>
-        <p:txBody>
-          <a:bodyPr wrap="none" lIns="91440" tIns="45720" rIns="91440" bIns="45720">
-            <a:spAutoFit/>
-          </a:bodyPr>
-          <a:lstStyle/>
-          <a:p>
-            <a:pPr algn="ctr"/>
-            <a:r>
-              <a:rPr lang="en-US" sz="5400" b="1" cap="none" spc="0" dirty="0">
-                <a:ln w="13462">
-                  <a:solidFill>
-                    <a:schemeClr val="bg1"/>
-                  </a:solidFill>
-                  <a:prstDash val="solid"/>
-                </a:ln>
-                <a:solidFill>
-                  <a:schemeClr val="accent6">
-                    <a:lumMod val="75000"/>
-                  </a:schemeClr>
-                </a:solidFill>
-                <a:effectLst>
-                  <a:outerShdw dist="38100" dir="2700000" algn="bl" rotWithShape="0">
-                    <a:schemeClr val="accent5"/>
-                  </a:outerShdw>
-                </a:effectLst>
-                <a:latin typeface="Comic Sans MS" panose="030F0702030302020204" pitchFamily="66" charset="0"/>
-              </a:rPr>
-              <a:t>The Superhero API</a:t>
-            </a:r>
-          </a:p>
-        </p:txBody>
-      </p:sp>
-      <p:sp>
-        <p:nvSpPr>
-          <p:cNvPr id="8" name="Rectangle 7">
-            <a:extLst>
-              <a:ext uri="{FF2B5EF4-FFF2-40B4-BE49-F238E27FC236}">
-                <a16:creationId xmlns:a16="http://schemas.microsoft.com/office/drawing/2014/main" id="{F993E727-AF96-48FF-8EFE-706F7856AA6C}"/>
-              </a:ext>
-            </a:extLst>
-          </p:cNvPr>
-          <p:cNvSpPr/>
-          <p:nvPr/>
-        </p:nvSpPr>
-        <p:spPr>
-          <a:xfrm>
-            <a:off x="887313" y="1933828"/>
-            <a:ext cx="10717975" cy="3416320"/>
-          </a:xfrm>
-          <a:prstGeom prst="rect">
-            <a:avLst/>
-          </a:prstGeom>
-          <a:noFill/>
-        </p:spPr>
-        <p:txBody>
-          <a:bodyPr wrap="square" lIns="91440" tIns="45720" rIns="91440" bIns="45720">
-            <a:spAutoFit/>
-          </a:bodyPr>
-          <a:lstStyle/>
-          <a:p>
-            <a:r>
-              <a:rPr lang="en-US" sz="2400" b="1" cap="none" spc="0" dirty="0">
-                <a:ln w="13462">
-                  <a:solidFill>
-                    <a:schemeClr val="bg1"/>
-                  </a:solidFill>
-                  <a:prstDash val="solid"/>
-                </a:ln>
-                <a:solidFill>
-                  <a:schemeClr val="bg1"/>
-                </a:solidFill>
-                <a:effectLst>
-                  <a:outerShdw dist="38100" dir="2700000" algn="bl" rotWithShape="0">
-                    <a:schemeClr val="accent5"/>
-                  </a:outerShdw>
-                </a:effectLst>
-                <a:latin typeface="Comic Sans MS" panose="030F0702030302020204" pitchFamily="66" charset="0"/>
-              </a:rPr>
-              <a:t>Using the API from </a:t>
-            </a:r>
-            <a:r>
-              <a:rPr lang="en-US" sz="2400" b="1" cap="none" spc="0" dirty="0">
-                <a:ln w="13462">
-                  <a:solidFill>
-                    <a:schemeClr val="bg1"/>
-                  </a:solidFill>
-                  <a:prstDash val="solid"/>
-                </a:ln>
-                <a:solidFill>
-                  <a:schemeClr val="bg1"/>
-                </a:solidFill>
-                <a:effectLst>
-                  <a:outerShdw dist="38100" dir="2700000" algn="bl" rotWithShape="0">
-                    <a:schemeClr val="accent5"/>
-                  </a:outerShdw>
-                </a:effectLst>
-                <a:latin typeface="Comic Sans MS" panose="030F0702030302020204" pitchFamily="66" charset="0"/>
-                <a:hlinkClick r:id="rId3">
-                  <a:extLst>
-                    <a:ext uri="{A12FA001-AC4F-418D-AE19-62706E023703}">
-                      <ahyp:hlinkClr xmlns:ahyp="http://schemas.microsoft.com/office/drawing/2018/hyperlinkcolor" val="tx"/>
-                    </a:ext>
-                  </a:extLst>
-                </a:hlinkClick>
-              </a:rPr>
-              <a:t>https://www.superheroapi.com/</a:t>
-            </a:r>
-            <a:r>
-              <a:rPr lang="en-US" sz="2400" b="1" cap="none" spc="0" dirty="0">
-                <a:ln w="13462">
-                  <a:solidFill>
-                    <a:schemeClr val="bg1"/>
-                  </a:solidFill>
-                  <a:prstDash val="solid"/>
-                </a:ln>
-                <a:solidFill>
-                  <a:schemeClr val="bg1"/>
-                </a:solidFill>
-                <a:effectLst>
-                  <a:outerShdw dist="38100" dir="2700000" algn="bl" rotWithShape="0">
-                    <a:schemeClr val="accent5"/>
-                  </a:outerShdw>
-                </a:effectLst>
-                <a:latin typeface="Comic Sans MS" panose="030F0702030302020204" pitchFamily="66" charset="0"/>
-              </a:rPr>
-              <a:t> we collected data </a:t>
-            </a:r>
-          </a:p>
-          <a:p>
-            <a:pPr lvl="1"/>
-            <a:r>
-              <a:rPr lang="en-US" sz="2400" b="1" cap="none" spc="0" dirty="0">
-                <a:ln w="13462">
-                  <a:solidFill>
-                    <a:schemeClr val="bg1"/>
-                  </a:solidFill>
-                  <a:prstDash val="solid"/>
-                </a:ln>
-                <a:solidFill>
-                  <a:schemeClr val="bg1"/>
-                </a:solidFill>
-                <a:effectLst>
-                  <a:outerShdw dist="38100" dir="2700000" algn="bl" rotWithShape="0">
-                    <a:schemeClr val="accent5"/>
-                  </a:outerShdw>
-                </a:effectLst>
-                <a:latin typeface="Comic Sans MS" panose="030F0702030302020204" pitchFamily="66" charset="0"/>
-              </a:rPr>
-              <a:t>over 700 superheroes </a:t>
-            </a:r>
-          </a:p>
-          <a:p>
-            <a:pPr lvl="1"/>
-            <a:r>
-              <a:rPr lang="en-US" sz="2400" b="1" cap="none" spc="0" dirty="0">
-                <a:ln w="13462">
-                  <a:solidFill>
-                    <a:schemeClr val="bg1"/>
-                  </a:solidFill>
-                  <a:prstDash val="solid"/>
-                </a:ln>
-                <a:solidFill>
-                  <a:schemeClr val="bg1"/>
-                </a:solidFill>
-                <a:effectLst>
-                  <a:outerShdw dist="38100" dir="2700000" algn="bl" rotWithShape="0">
-                    <a:schemeClr val="accent5"/>
-                  </a:outerShdw>
-                </a:effectLst>
-                <a:latin typeface="Comic Sans MS" panose="030F0702030302020204" pitchFamily="66" charset="0"/>
-              </a:rPr>
-              <a:t>wide range data like name, group affiliation, and known relatives </a:t>
-            </a:r>
-          </a:p>
-          <a:p>
-            <a:pPr lvl="1"/>
-            <a:r>
-              <a:rPr lang="en-US" sz="2400" b="1" cap="none" spc="0" dirty="0">
-                <a:ln w="13462">
-                  <a:solidFill>
-                    <a:schemeClr val="bg1"/>
-                  </a:solidFill>
-                  <a:prstDash val="solid"/>
-                </a:ln>
-                <a:solidFill>
-                  <a:schemeClr val="bg1"/>
-                </a:solidFill>
-                <a:effectLst>
-                  <a:outerShdw dist="38100" dir="2700000" algn="bl" rotWithShape="0">
-                    <a:schemeClr val="accent5"/>
-                  </a:outerShdw>
-                </a:effectLst>
-                <a:latin typeface="Comic Sans MS" panose="030F0702030302020204" pitchFamily="66" charset="0"/>
-              </a:rPr>
-              <a:t>ranking from 0 to 100 of their statistics as determined by the superhero database </a:t>
-            </a:r>
-            <a:r>
-              <a:rPr lang="en-US" sz="2400" b="1" cap="none" spc="0" dirty="0">
-                <a:ln w="13462">
-                  <a:solidFill>
-                    <a:schemeClr val="bg1"/>
-                  </a:solidFill>
-                  <a:prstDash val="solid"/>
-                </a:ln>
-                <a:solidFill>
-                  <a:schemeClr val="bg1"/>
-                </a:solidFill>
-                <a:effectLst>
-                  <a:outerShdw dist="38100" dir="2700000" algn="bl" rotWithShape="0">
-                    <a:schemeClr val="accent5"/>
-                  </a:outerShdw>
-                </a:effectLst>
-                <a:latin typeface="Comic Sans MS" panose="030F0702030302020204" pitchFamily="66" charset="0"/>
-                <a:hlinkClick r:id="rId4">
-                  <a:extLst>
-                    <a:ext uri="{A12FA001-AC4F-418D-AE19-62706E023703}">
-                      <ahyp:hlinkClr xmlns:ahyp="http://schemas.microsoft.com/office/drawing/2018/hyperlinkcolor" val="tx"/>
-                    </a:ext>
-                  </a:extLst>
-                </a:hlinkClick>
-              </a:rPr>
-              <a:t>https://www.superherodb.com/</a:t>
-            </a:r>
-            <a:endParaRPr lang="en-US" sz="2400" b="1" cap="none" spc="0" dirty="0">
-              <a:ln w="13462">
-                <a:solidFill>
-                  <a:schemeClr val="bg1"/>
-                </a:solidFill>
-                <a:prstDash val="solid"/>
-              </a:ln>
-              <a:solidFill>
-                <a:schemeClr val="bg1"/>
-              </a:solidFill>
-              <a:effectLst>
-                <a:outerShdw dist="38100" dir="2700000" algn="bl" rotWithShape="0">
-                  <a:schemeClr val="accent5"/>
-                </a:outerShdw>
-              </a:effectLst>
-              <a:latin typeface="Comic Sans MS" panose="030F0702030302020204" pitchFamily="66" charset="0"/>
-            </a:endParaRPr>
-          </a:p>
-          <a:p>
-            <a:r>
-              <a:rPr lang="en-US" sz="2400" b="1" cap="none" spc="0" dirty="0">
-                <a:ln w="13462">
-                  <a:solidFill>
-                    <a:schemeClr val="bg1"/>
-                  </a:solidFill>
-                  <a:prstDash val="solid"/>
-                </a:ln>
-                <a:solidFill>
-                  <a:schemeClr val="bg1"/>
-                </a:solidFill>
-                <a:effectLst>
-                  <a:outerShdw dist="38100" dir="2700000" algn="bl" rotWithShape="0">
-                    <a:schemeClr val="accent5"/>
-                  </a:outerShdw>
-                </a:effectLst>
-                <a:latin typeface="Comic Sans MS" panose="030F0702030302020204" pitchFamily="66" charset="0"/>
-              </a:rPr>
-              <a:t>We cleaned the data for the raw statistics and superheroes’ names</a:t>
-            </a:r>
-          </a:p>
-          <a:p>
-            <a:pPr lvl="1"/>
-            <a:r>
-              <a:rPr lang="en-US" sz="2400" b="1" cap="none" spc="0" dirty="0">
-                <a:ln w="13462">
-                  <a:solidFill>
-                    <a:schemeClr val="bg1"/>
-                  </a:solidFill>
-                  <a:prstDash val="solid"/>
-                </a:ln>
-                <a:solidFill>
-                  <a:schemeClr val="bg1"/>
-                </a:solidFill>
-                <a:effectLst>
-                  <a:outerShdw dist="38100" dir="2700000" algn="bl" rotWithShape="0">
-                    <a:schemeClr val="accent5"/>
-                  </a:outerShdw>
-                </a:effectLst>
-                <a:latin typeface="Comic Sans MS" panose="030F0702030302020204" pitchFamily="66" charset="0"/>
-              </a:rPr>
-              <a:t>Combined duplicated (superheroes with more than one alter ego)</a:t>
-            </a:r>
-          </a:p>
-          <a:p>
-            <a:pPr lvl="1"/>
-            <a:r>
-              <a:rPr lang="en-US" sz="2400" b="1" cap="none" spc="0" dirty="0">
-                <a:ln w="13462">
-                  <a:solidFill>
-                    <a:schemeClr val="bg1"/>
-                  </a:solidFill>
-                  <a:prstDash val="solid"/>
-                </a:ln>
-                <a:solidFill>
-                  <a:schemeClr val="bg1"/>
-                </a:solidFill>
-                <a:effectLst>
-                  <a:outerShdw dist="38100" dir="2700000" algn="bl" rotWithShape="0">
-                    <a:schemeClr val="accent5"/>
-                  </a:outerShdw>
-                </a:effectLst>
-                <a:latin typeface="Comic Sans MS" panose="030F0702030302020204" pitchFamily="66" charset="0"/>
-              </a:rPr>
-              <a:t>Removed superheroes with NA values</a:t>
-            </a:r>
-          </a:p>
-          <a:p>
-            <a:pPr lvl="1"/>
-            <a:r>
-              <a:rPr lang="en-US" sz="2400" b="1" cap="none" spc="0" dirty="0">
-                <a:ln w="13462">
-                  <a:solidFill>
-                    <a:schemeClr val="bg1"/>
-                  </a:solidFill>
-                  <a:prstDash val="solid"/>
-                </a:ln>
-                <a:solidFill>
-                  <a:schemeClr val="bg1"/>
-                </a:solidFill>
-                <a:effectLst>
-                  <a:outerShdw dist="38100" dir="2700000" algn="bl" rotWithShape="0">
-                    <a:schemeClr val="accent5"/>
-                  </a:outerShdw>
-                </a:effectLst>
-                <a:latin typeface="Comic Sans MS" panose="030F0702030302020204" pitchFamily="66" charset="0"/>
-              </a:rPr>
-              <a:t>Applied our normalization to their statistics</a:t>
-            </a:r>
-          </a:p>
-        </p:txBody>
-      </p:sp>
-    </p:spTree>
-    <p:extLst>
-      <p:ext uri="{BB962C8B-B14F-4D97-AF65-F5344CB8AC3E}">
-        <p14:creationId xmlns:p14="http://schemas.microsoft.com/office/powerpoint/2010/main" val="2951421090"/>
-      </p:ext>
-    </p:extLst>
-  </p:cSld>
-  <p:clrMapOvr>
-    <a:masterClrMapping/>
-  </p:clrMapOvr>
-</p:sld>
-</file>
-
-<file path=ppt/slides/slide6.xml><?xml version="1.0" encoding="utf-8"?>
-<p:sld xmlns:a="http://schemas.openxmlformats.org/drawingml/2006/main" xmlns:r="http://schemas.openxmlformats.org/officeDocument/2006/relationships" xmlns:p="http://schemas.openxmlformats.org/presentationml/2006/main">
-  <p:cSld>
-    <p:bg>
-      <p:bgPr>
-        <a:blipFill dpi="0" rotWithShape="1">
-          <a:blip r:embed="rId2">
-            <a:lum/>
-          </a:blip>
-          <a:srcRect/>
-          <a:stretch>
-            <a:fillRect/>
-          </a:stretch>
-        </a:blipFill>
-        <a:effectLst/>
-      </p:bgPr>
-    </p:bg>
-    <p:spTree>
-      <p:nvGrpSpPr>
-        <p:cNvPr id="1" name=""/>
-        <p:cNvGrpSpPr/>
-        <p:nvPr/>
-      </p:nvGrpSpPr>
-      <p:grpSpPr>
-        <a:xfrm>
-          <a:off x="0" y="0"/>
-          <a:ext cx="0" cy="0"/>
-          <a:chOff x="0" y="0"/>
-          <a:chExt cx="0" cy="0"/>
-        </a:xfrm>
-      </p:grpSpPr>
-      <p:sp>
-        <p:nvSpPr>
-          <p:cNvPr id="4" name="Rectangle 3">
-            <a:extLst>
-              <a:ext uri="{FF2B5EF4-FFF2-40B4-BE49-F238E27FC236}">
-                <a16:creationId xmlns:a16="http://schemas.microsoft.com/office/drawing/2014/main" id="{50883764-870B-40A3-BABD-0D046226A5F8}"/>
-              </a:ext>
-            </a:extLst>
-          </p:cNvPr>
-          <p:cNvSpPr/>
-          <p:nvPr/>
-        </p:nvSpPr>
-        <p:spPr>
-          <a:xfrm>
-            <a:off x="-274329" y="1141903"/>
-            <a:ext cx="6370329" cy="923330"/>
-          </a:xfrm>
-          <a:prstGeom prst="rect">
-            <a:avLst/>
-          </a:prstGeom>
-          <a:noFill/>
-        </p:spPr>
-        <p:txBody>
-          <a:bodyPr wrap="square" lIns="91440" tIns="45720" rIns="91440" bIns="45720">
-            <a:spAutoFit/>
-          </a:bodyPr>
-          <a:lstStyle/>
-          <a:p>
-            <a:pPr algn="ctr"/>
-            <a:r>
-              <a:rPr lang="en-US" sz="5400" b="1" cap="none" spc="0" dirty="0">
-                <a:ln w="13462">
-                  <a:solidFill>
-                    <a:schemeClr val="bg1"/>
-                  </a:solidFill>
-                  <a:prstDash val="solid"/>
-                </a:ln>
-                <a:solidFill>
-                  <a:schemeClr val="accent6">
-                    <a:lumMod val="75000"/>
-                  </a:schemeClr>
-                </a:solidFill>
-                <a:effectLst>
-                  <a:outerShdw dist="38100" dir="2700000" algn="bl" rotWithShape="0">
-                    <a:schemeClr val="accent5"/>
-                  </a:outerShdw>
-                </a:effectLst>
-                <a:latin typeface="Comic Sans MS" panose="030F0702030302020204" pitchFamily="66" charset="0"/>
-              </a:rPr>
-              <a:t>Comic book Sales</a:t>
-            </a:r>
-          </a:p>
-        </p:txBody>
-      </p:sp>
-      <p:sp>
-        <p:nvSpPr>
-          <p:cNvPr id="7" name="Rectangle 6">
-            <a:extLst>
-              <a:ext uri="{FF2B5EF4-FFF2-40B4-BE49-F238E27FC236}">
-                <a16:creationId xmlns:a16="http://schemas.microsoft.com/office/drawing/2014/main" id="{349A59B9-9A9E-46A7-8C3F-35CE0426B923}"/>
-              </a:ext>
-            </a:extLst>
-          </p:cNvPr>
-          <p:cNvSpPr/>
-          <p:nvPr/>
-        </p:nvSpPr>
-        <p:spPr>
-          <a:xfrm>
-            <a:off x="0" y="3005108"/>
-            <a:ext cx="11330395" cy="3416320"/>
-          </a:xfrm>
-          <a:prstGeom prst="rect">
-            <a:avLst/>
-          </a:prstGeom>
-          <a:noFill/>
-        </p:spPr>
-        <p:txBody>
-          <a:bodyPr wrap="square" lIns="91440" tIns="45720" rIns="91440" bIns="45720">
-            <a:spAutoFit/>
-          </a:bodyPr>
-          <a:lstStyle/>
-          <a:p>
-            <a:r>
-              <a:rPr lang="en-US" sz="2400" b="1" cap="none" spc="0" dirty="0">
-                <a:ln w="13462">
-                  <a:solidFill>
-                    <a:schemeClr val="bg1"/>
-                  </a:solidFill>
-                  <a:prstDash val="solid"/>
-                </a:ln>
-                <a:solidFill>
-                  <a:schemeClr val="bg1"/>
-                </a:solidFill>
-                <a:effectLst>
-                  <a:outerShdw dist="38100" dir="2700000" algn="bl" rotWithShape="0">
-                    <a:schemeClr val="accent5"/>
-                  </a:outerShdw>
-                </a:effectLst>
-                <a:latin typeface="Comic Sans MS" panose="030F0702030302020204" pitchFamily="66" charset="0"/>
-              </a:rPr>
-              <a:t>Data was retrieved from </a:t>
-            </a:r>
-            <a:r>
-              <a:rPr lang="en-US" sz="2400" b="1" cap="none" spc="0" dirty="0">
-                <a:ln w="13462">
-                  <a:solidFill>
-                    <a:schemeClr val="bg1"/>
-                  </a:solidFill>
-                  <a:prstDash val="solid"/>
-                </a:ln>
-                <a:solidFill>
-                  <a:schemeClr val="bg1"/>
-                </a:solidFill>
-                <a:effectLst>
-                  <a:outerShdw dist="38100" dir="2700000" algn="bl" rotWithShape="0">
-                    <a:schemeClr val="accent5"/>
-                  </a:outerShdw>
-                </a:effectLst>
-                <a:latin typeface="Comic Sans MS" panose="030F0702030302020204" pitchFamily="66" charset="0"/>
-                <a:hlinkClick r:id="rId3">
-                  <a:extLst>
-                    <a:ext uri="{A12FA001-AC4F-418D-AE19-62706E023703}">
-                      <ahyp:hlinkClr xmlns:ahyp="http://schemas.microsoft.com/office/drawing/2018/hyperlinkcolor" val="tx"/>
-                    </a:ext>
-                  </a:extLst>
-                </a:hlinkClick>
-              </a:rPr>
-              <a:t>https://www.comichron.com/yearlycomicssales/</a:t>
-            </a:r>
-            <a:r>
-              <a:rPr lang="en-US" sz="2400" b="1" cap="none" spc="0" dirty="0">
-                <a:ln w="13462">
-                  <a:solidFill>
-                    <a:schemeClr val="bg1"/>
-                  </a:solidFill>
-                  <a:prstDash val="solid"/>
-                </a:ln>
-                <a:solidFill>
-                  <a:schemeClr val="bg1"/>
-                </a:solidFill>
-                <a:effectLst>
-                  <a:outerShdw dist="38100" dir="2700000" algn="bl" rotWithShape="0">
-                    <a:schemeClr val="accent5"/>
-                  </a:outerShdw>
-                </a:effectLst>
-                <a:latin typeface="Comic Sans MS" panose="030F0702030302020204" pitchFamily="66" charset="0"/>
-              </a:rPr>
-              <a:t> </a:t>
-            </a:r>
-          </a:p>
-          <a:p>
-            <a:pPr lvl="1"/>
-            <a:r>
-              <a:rPr lang="en-US" sz="2400" b="1" cap="none" spc="0" dirty="0">
-                <a:ln w="13462">
-                  <a:solidFill>
-                    <a:schemeClr val="bg1"/>
-                  </a:solidFill>
-                  <a:prstDash val="solid"/>
-                </a:ln>
-                <a:solidFill>
-                  <a:schemeClr val="bg1"/>
-                </a:solidFill>
-                <a:effectLst>
-                  <a:outerShdw dist="38100" dir="2700000" algn="bl" rotWithShape="0">
-                    <a:schemeClr val="accent5"/>
-                  </a:outerShdw>
-                </a:effectLst>
-                <a:latin typeface="Comic Sans MS" panose="030F0702030302020204" pitchFamily="66" charset="0"/>
-              </a:rPr>
-              <a:t>We were unable to find a database or an API which held individual comic book sales however this site contained the data we needed</a:t>
-            </a:r>
-          </a:p>
-          <a:p>
-            <a:pPr lvl="1"/>
-            <a:r>
-              <a:rPr lang="en-US" sz="2400" b="1" cap="none" spc="0" dirty="0">
-                <a:ln w="13462">
-                  <a:solidFill>
-                    <a:schemeClr val="bg1"/>
-                  </a:solidFill>
-                  <a:prstDash val="solid"/>
-                </a:ln>
-                <a:solidFill>
-                  <a:schemeClr val="bg1"/>
-                </a:solidFill>
-                <a:effectLst>
-                  <a:outerShdw dist="38100" dir="2700000" algn="bl" rotWithShape="0">
-                    <a:schemeClr val="accent5"/>
-                  </a:outerShdw>
-                </a:effectLst>
-                <a:latin typeface="Comic Sans MS" panose="030F0702030302020204" pitchFamily="66" charset="0"/>
-              </a:rPr>
-              <a:t>After collecting the sales data we converted it into a Data Frame </a:t>
-            </a:r>
-          </a:p>
-          <a:p>
-            <a:pPr marL="457200" lvl="1" indent="0">
-              <a:buNone/>
-            </a:pPr>
-            <a:endParaRPr lang="en-US" sz="2400" b="1" cap="none" spc="0" dirty="0">
-              <a:ln w="13462">
-                <a:solidFill>
-                  <a:schemeClr val="bg1"/>
-                </a:solidFill>
-                <a:prstDash val="solid"/>
-              </a:ln>
-              <a:solidFill>
-                <a:schemeClr val="bg1"/>
-              </a:solidFill>
-              <a:effectLst>
-                <a:outerShdw dist="38100" dir="2700000" algn="bl" rotWithShape="0">
-                  <a:schemeClr val="accent5"/>
-                </a:outerShdw>
-              </a:effectLst>
-              <a:latin typeface="Comic Sans MS" panose="030F0702030302020204" pitchFamily="66" charset="0"/>
-            </a:endParaRPr>
-          </a:p>
-          <a:p>
-            <a:r>
-              <a:rPr lang="en-US" sz="2400" b="1" cap="none" spc="0" dirty="0">
-                <a:ln w="13462">
-                  <a:solidFill>
-                    <a:schemeClr val="bg1"/>
-                  </a:solidFill>
-                  <a:prstDash val="solid"/>
-                </a:ln>
-                <a:solidFill>
-                  <a:schemeClr val="bg1"/>
-                </a:solidFill>
-                <a:effectLst>
-                  <a:outerShdw dist="38100" dir="2700000" algn="bl" rotWithShape="0">
-                    <a:schemeClr val="accent5"/>
-                  </a:outerShdw>
-                </a:effectLst>
-                <a:latin typeface="Comic Sans MS" panose="030F0702030302020204" pitchFamily="66" charset="0"/>
-              </a:rPr>
-              <a:t>Issues</a:t>
-            </a:r>
-          </a:p>
-          <a:p>
-            <a:pPr lvl="1"/>
-            <a:r>
-              <a:rPr lang="en-US" sz="2400" b="1" cap="none" spc="0" dirty="0">
-                <a:ln w="13462">
-                  <a:solidFill>
-                    <a:schemeClr val="bg1"/>
-                  </a:solidFill>
-                  <a:prstDash val="solid"/>
-                </a:ln>
-                <a:solidFill>
-                  <a:schemeClr val="bg1"/>
-                </a:solidFill>
-                <a:effectLst>
-                  <a:outerShdw dist="38100" dir="2700000" algn="bl" rotWithShape="0">
-                    <a:schemeClr val="accent5"/>
-                  </a:outerShdw>
-                </a:effectLst>
-                <a:latin typeface="Comic Sans MS" panose="030F0702030302020204" pitchFamily="66" charset="0"/>
-              </a:rPr>
-              <a:t>The comic book sales only was reliable from 2009 to present</a:t>
-            </a:r>
-          </a:p>
-          <a:p>
-            <a:pPr lvl="1"/>
-            <a:r>
-              <a:rPr lang="en-US" sz="2400" b="1" cap="none" spc="0" dirty="0">
-                <a:ln w="13462">
-                  <a:solidFill>
-                    <a:schemeClr val="bg1"/>
-                  </a:solidFill>
-                  <a:prstDash val="solid"/>
-                </a:ln>
-                <a:solidFill>
-                  <a:schemeClr val="bg1"/>
-                </a:solidFill>
-                <a:effectLst>
-                  <a:outerShdw dist="38100" dir="2700000" algn="bl" rotWithShape="0">
-                    <a:schemeClr val="accent5"/>
-                  </a:outerShdw>
-                </a:effectLst>
-                <a:latin typeface="Comic Sans MS" panose="030F0702030302020204" pitchFamily="66" charset="0"/>
-              </a:rPr>
-              <a:t>This had the data but was in a non-downloadable list.  Jordan had to copy and paste the information by hand to a .csv</a:t>
-            </a:r>
-          </a:p>
-        </p:txBody>
-      </p:sp>
-    </p:spTree>
-    <p:extLst>
-      <p:ext uri="{BB962C8B-B14F-4D97-AF65-F5344CB8AC3E}">
-        <p14:creationId xmlns:p14="http://schemas.microsoft.com/office/powerpoint/2010/main" val="3617764184"/>
       </p:ext>
     </p:extLst>
   </p:cSld>
@@ -5939,6 +5829,7 @@
       <p:bgPr>
         <a:blipFill dpi="0" rotWithShape="1">
           <a:blip r:embed="rId2">
+            <a:alphaModFix amt="31000"/>
             <a:lum/>
           </a:blip>
           <a:srcRect/>
@@ -6027,22 +5918,34 @@
           </a:bodyPr>
           <a:lstStyle/>
           <a:p>
-            <a:r>
-              <a:rPr lang="en-US" sz="2800" b="1" dirty="0">
-                <a:solidFill>
-                  <a:schemeClr val="bg1"/>
-                </a:solidFill>
+            <a:pPr marL="457200" indent="-457200">
+              <a:buFont typeface="Arial" panose="020B0604020202020204" pitchFamily="34" charset="0"/>
+              <a:buChar char="•"/>
+            </a:pPr>
+            <a:r>
+              <a:rPr lang="en-US" sz="2800" dirty="0">
+                <a:ln>
+                  <a:solidFill>
+                    <a:schemeClr val="tx1"/>
+                  </a:solidFill>
+                </a:ln>
                 <a:latin typeface="Comic Sans MS" panose="030F0702030302020204" pitchFamily="66" charset="0"/>
               </a:rPr>
               <a:t>Weak correlation</a:t>
             </a:r>
           </a:p>
           <a:p>
-            <a:r>
-              <a:rPr lang="en-US" sz="2800" b="1" dirty="0">
-                <a:solidFill>
-                  <a:schemeClr val="bg1"/>
-                </a:solidFill>
+            <a:pPr marL="457200" indent="-457200">
+              <a:buFont typeface="Arial" panose="020B0604020202020204" pitchFamily="34" charset="0"/>
+              <a:buChar char="•"/>
+            </a:pPr>
+            <a:r>
+              <a:rPr lang="en-US" sz="2800" dirty="0">
+                <a:ln>
+                  <a:solidFill>
+                    <a:schemeClr val="tx1"/>
+                  </a:solidFill>
+                </a:ln>
                 <a:latin typeface="Comic Sans MS" panose="030F0702030302020204" pitchFamily="66" charset="0"/>
               </a:rPr>
               <a:t>Batman outlier</a:t>
@@ -6124,6 +6027,7 @@
       <p:bgPr>
         <a:blipFill dpi="0" rotWithShape="1">
           <a:blip r:embed="rId2">
+            <a:alphaModFix amt="31000"/>
             <a:lum/>
           </a:blip>
           <a:srcRect/>
@@ -6480,7 +6384,7 @@
         <p:spPr>
           <a:xfrm>
             <a:off x="172825" y="1213719"/>
-            <a:ext cx="6854762" cy="830997"/>
+            <a:ext cx="7201010" cy="830997"/>
           </a:xfrm>
           <a:prstGeom prst="rect">
             <a:avLst/>
@@ -6493,36 +6397,34 @@
           </a:bodyPr>
           <a:lstStyle/>
           <a:p>
+            <a:pPr marL="342900" indent="-342900">
+              <a:buFont typeface="Arial" panose="020B0604020202020204" pitchFamily="34" charset="0"/>
+              <a:buChar char="•"/>
+            </a:pPr>
             <a:r>
               <a:rPr lang="en-US" sz="2400" dirty="0">
                 <a:ln>
                   <a:solidFill>
-                    <a:schemeClr val="bg1"/>
-                  </a:solidFill>
-                </a:ln>
-                <a:solidFill>
-                  <a:schemeClr val="accent6">
-                    <a:lumMod val="75000"/>
-                  </a:schemeClr>
-                </a:solidFill>
+                    <a:schemeClr val="tx1"/>
+                  </a:solidFill>
+                </a:ln>
                 <a:latin typeface="Comic Sans MS" panose="030F0702030302020204" pitchFamily="66" charset="0"/>
               </a:rPr>
               <a:t>Sales not reflecting polling data</a:t>
             </a:r>
           </a:p>
           <a:p>
+            <a:pPr marL="342900" indent="-342900">
+              <a:buFont typeface="Arial" panose="020B0604020202020204" pitchFamily="34" charset="0"/>
+              <a:buChar char="•"/>
+            </a:pPr>
             <a:r>
               <a:rPr lang="en-US" sz="2400" dirty="0">
                 <a:ln>
                   <a:solidFill>
-                    <a:schemeClr val="bg1"/>
-                  </a:solidFill>
-                </a:ln>
-                <a:solidFill>
-                  <a:schemeClr val="accent6">
-                    <a:lumMod val="75000"/>
-                  </a:schemeClr>
-                </a:solidFill>
+                    <a:schemeClr val="tx1"/>
+                  </a:solidFill>
+                </a:ln>
                 <a:latin typeface="Comic Sans MS" panose="030F0702030302020204" pitchFamily="66" charset="0"/>
               </a:rPr>
               <a:t>Weak positive correlation except for strength</a:t>
@@ -6560,17 +6462,180 @@
           <a:p>
             <a:pPr algn="ctr"/>
             <a:r>
-              <a:rPr lang="en-US" sz="1600" b="1" cap="none" spc="0" dirty="0">
+              <a:rPr lang="en-US" sz="1600" cap="none" spc="0" dirty="0">
                 <a:ln w="13462">
                   <a:solidFill>
-                    <a:schemeClr val="bg1"/>
+                    <a:schemeClr val="tx1"/>
                   </a:solidFill>
                   <a:prstDash val="solid"/>
                 </a:ln>
+                <a:effectLst>
+                  <a:outerShdw dist="38100" dir="2700000" algn="bl" rotWithShape="0">
+                    <a:schemeClr val="accent5"/>
+                  </a:outerShdw>
+                </a:effectLst>
+                <a:latin typeface="Comic Sans MS" panose="030F0702030302020204" pitchFamily="66" charset="0"/>
+              </a:rPr>
+              <a:t>LEAST LIKELY TO SUCCEED</a:t>
+            </a:r>
+          </a:p>
+          <a:p>
+            <a:pPr algn="ctr"/>
+            <a:r>
+              <a:rPr lang="en-US" sz="1600" u="sng" cap="none" spc="0" dirty="0">
+                <a:ln w="13462">
+                  <a:solidFill>
+                    <a:schemeClr val="tx1"/>
+                  </a:solidFill>
+                  <a:prstDash val="solid"/>
+                </a:ln>
+                <a:effectLst>
+                  <a:outerShdw dist="38100" dir="2700000" algn="bl" rotWithShape="0">
+                    <a:schemeClr val="accent5"/>
+                  </a:outerShdw>
+                </a:effectLst>
+                <a:latin typeface="Comic Sans MS" panose="030F0702030302020204" pitchFamily="66" charset="0"/>
+              </a:rPr>
+              <a:t>Weakest</a:t>
+            </a:r>
+            <a:r>
+              <a:rPr lang="en-US" sz="1600" cap="none" spc="0" dirty="0">
+                <a:ln w="13462">
+                  <a:solidFill>
+                    <a:schemeClr val="tx1"/>
+                  </a:solidFill>
+                  <a:prstDash val="solid"/>
+                </a:ln>
+                <a:effectLst>
+                  <a:outerShdw dist="38100" dir="2700000" algn="bl" rotWithShape="0">
+                    <a:schemeClr val="accent5"/>
+                  </a:outerShdw>
+                </a:effectLst>
+                <a:latin typeface="Comic Sans MS" panose="030F0702030302020204" pitchFamily="66" charset="0"/>
+              </a:rPr>
+              <a:t>: Rocket Raccoon</a:t>
+            </a:r>
+          </a:p>
+          <a:p>
+            <a:pPr algn="ctr"/>
+            <a:r>
+              <a:rPr lang="en-US" sz="1600" u="sng" cap="none" spc="0" dirty="0">
+                <a:ln w="13462">
+                  <a:solidFill>
+                    <a:schemeClr val="tx1"/>
+                  </a:solidFill>
+                  <a:prstDash val="solid"/>
+                </a:ln>
+                <a:effectLst>
+                  <a:outerShdw dist="38100" dir="2700000" algn="bl" rotWithShape="0">
+                    <a:schemeClr val="accent5"/>
+                  </a:outerShdw>
+                </a:effectLst>
+                <a:latin typeface="Comic Sans MS" panose="030F0702030302020204" pitchFamily="66" charset="0"/>
+              </a:rPr>
+              <a:t>Dumbest</a:t>
+            </a:r>
+            <a:r>
+              <a:rPr lang="en-US" sz="1600" cap="none" spc="0" dirty="0">
+                <a:ln w="13462">
+                  <a:solidFill>
+                    <a:schemeClr val="tx1"/>
+                  </a:solidFill>
+                  <a:prstDash val="solid"/>
+                </a:ln>
+                <a:effectLst>
+                  <a:outerShdw dist="38100" dir="2700000" algn="bl" rotWithShape="0">
+                    <a:schemeClr val="accent5"/>
+                  </a:outerShdw>
+                </a:effectLst>
+                <a:latin typeface="Comic Sans MS" panose="030F0702030302020204" pitchFamily="66" charset="0"/>
+              </a:rPr>
+              <a:t>: Kick-Ass</a:t>
+            </a:r>
+          </a:p>
+          <a:p>
+            <a:pPr algn="ctr"/>
+            <a:r>
+              <a:rPr lang="en-US" sz="1600" u="sng" cap="none" spc="0" dirty="0">
+                <a:ln w="13462">
+                  <a:solidFill>
+                    <a:schemeClr val="tx1"/>
+                  </a:solidFill>
+                  <a:prstDash val="solid"/>
+                </a:ln>
+                <a:effectLst>
+                  <a:outerShdw dist="38100" dir="2700000" algn="bl" rotWithShape="0">
+                    <a:schemeClr val="accent5"/>
+                  </a:outerShdw>
+                </a:effectLst>
+                <a:latin typeface="Comic Sans MS" panose="030F0702030302020204" pitchFamily="66" charset="0"/>
+              </a:rPr>
+              <a:t>Slowest:</a:t>
+            </a:r>
+            <a:r>
+              <a:rPr lang="en-US" sz="1600" cap="none" spc="0" dirty="0">
+                <a:ln w="13462">
+                  <a:solidFill>
+                    <a:schemeClr val="tx1"/>
+                  </a:solidFill>
+                  <a:prstDash val="solid"/>
+                </a:ln>
+                <a:effectLst>
+                  <a:outerShdw dist="38100" dir="2700000" algn="bl" rotWithShape="0">
+                    <a:schemeClr val="accent5"/>
+                  </a:outerShdw>
+                </a:effectLst>
+                <a:latin typeface="Comic Sans MS" panose="030F0702030302020204" pitchFamily="66" charset="0"/>
+              </a:rPr>
+              <a:t> Man-Thing</a:t>
+            </a:r>
+          </a:p>
+          <a:p>
+            <a:pPr algn="ctr"/>
+            <a:r>
+              <a:rPr lang="en-US" sz="1600" u="sng" cap="none" spc="0" dirty="0">
+                <a:ln w="13462">
+                  <a:solidFill>
+                    <a:schemeClr val="tx1"/>
+                  </a:solidFill>
+                  <a:prstDash val="solid"/>
+                </a:ln>
+                <a:effectLst>
+                  <a:outerShdw dist="38100" dir="2700000" algn="bl" rotWithShape="0">
+                    <a:schemeClr val="accent5"/>
+                  </a:outerShdw>
+                </a:effectLst>
+                <a:latin typeface="Comic Sans MS" panose="030F0702030302020204" pitchFamily="66" charset="0"/>
+              </a:rPr>
+              <a:t>Worst Fighter</a:t>
+            </a:r>
+            <a:r>
+              <a:rPr lang="en-US" sz="1600" cap="none" spc="0" dirty="0">
+                <a:ln w="13462">
+                  <a:solidFill>
+                    <a:schemeClr val="tx1"/>
+                  </a:solidFill>
+                  <a:prstDash val="solid"/>
+                </a:ln>
+                <a:effectLst>
+                  <a:outerShdw dist="38100" dir="2700000" algn="bl" rotWithShape="0">
+                    <a:schemeClr val="accent5"/>
+                  </a:outerShdw>
+                </a:effectLst>
+                <a:latin typeface="Comic Sans MS" panose="030F0702030302020204" pitchFamily="66" charset="0"/>
+              </a:rPr>
+              <a:t>: </a:t>
+            </a:r>
+            <a:r>
+              <a:rPr lang="en-US" sz="1050" cap="none" spc="0" dirty="0">
+                <a:ln w="13462">
+                  <a:solidFill>
+                    <a:srgbClr val="FF0000"/>
+                  </a:solidFill>
+                  <a:prstDash val="solid"/>
+                </a:ln>
                 <a:solidFill>
-                  <a:schemeClr val="accent6">
-                    <a:lumMod val="75000"/>
-                  </a:schemeClr>
+                  <a:srgbClr val="FF0000"/>
                 </a:solidFill>
                 <a:effectLst>
                   <a:outerShdw dist="38100" dir="2700000" algn="bl" rotWithShape="0">
@@ -6579,304 +6644,17 @@
                 </a:effectLst>
                 <a:latin typeface="Comic Sans MS" panose="030F0702030302020204" pitchFamily="66" charset="0"/>
               </a:rPr>
-              <a:t>LEAST LIKELY TO SUCCEED</a:t>
-            </a:r>
-          </a:p>
-          <a:p>
-            <a:pPr algn="ctr"/>
-            <a:r>
-              <a:rPr lang="en-US" sz="1600" b="1" u="sng" cap="none" spc="0" dirty="0">
-                <a:ln w="13462">
-                  <a:solidFill>
-                    <a:schemeClr val="bg1"/>
-                  </a:solidFill>
-                  <a:prstDash val="solid"/>
-                </a:ln>
-                <a:solidFill>
-                  <a:schemeClr val="accent6">
-                    <a:lumMod val="75000"/>
-                  </a:schemeClr>
-                </a:solidFill>
-                <a:effectLst>
-                  <a:outerShdw dist="38100" dir="2700000" algn="bl" rotWithShape="0">
-                    <a:schemeClr val="accent5"/>
-                  </a:outerShdw>
-                </a:effectLst>
-                <a:latin typeface="Comic Sans MS" panose="030F0702030302020204" pitchFamily="66" charset="0"/>
-              </a:rPr>
-              <a:t>Weakest</a:t>
-            </a:r>
-            <a:r>
-              <a:rPr lang="en-US" sz="1600" b="1" cap="none" spc="0" dirty="0">
-                <a:ln w="13462">
-                  <a:solidFill>
-                    <a:schemeClr val="bg1"/>
-                  </a:solidFill>
-                  <a:prstDash val="solid"/>
-                </a:ln>
-                <a:solidFill>
-                  <a:schemeClr val="accent6">
-                    <a:lumMod val="75000"/>
-                  </a:schemeClr>
-                </a:solidFill>
-                <a:effectLst>
-                  <a:outerShdw dist="38100" dir="2700000" algn="bl" rotWithShape="0">
-                    <a:schemeClr val="accent5"/>
-                  </a:outerShdw>
-                </a:effectLst>
-                <a:latin typeface="Comic Sans MS" panose="030F0702030302020204" pitchFamily="66" charset="0"/>
-              </a:rPr>
-              <a:t>: Rocket Raccoon</a:t>
-            </a:r>
-          </a:p>
-          <a:p>
-            <a:pPr algn="ctr"/>
-            <a:r>
-              <a:rPr lang="en-US" sz="1600" b="1" u="sng" cap="none" spc="0" dirty="0">
-                <a:ln w="13462">
-                  <a:solidFill>
-                    <a:schemeClr val="bg1"/>
-                  </a:solidFill>
-                  <a:prstDash val="solid"/>
-                </a:ln>
-                <a:solidFill>
-                  <a:schemeClr val="accent6">
-                    <a:lumMod val="75000"/>
-                  </a:schemeClr>
-                </a:solidFill>
-                <a:effectLst>
-                  <a:outerShdw dist="38100" dir="2700000" algn="bl" rotWithShape="0">
-                    <a:schemeClr val="accent5"/>
-                  </a:outerShdw>
-                </a:effectLst>
-                <a:latin typeface="Comic Sans MS" panose="030F0702030302020204" pitchFamily="66" charset="0"/>
-              </a:rPr>
-              <a:t>Dumbest</a:t>
-            </a:r>
-            <a:r>
-              <a:rPr lang="en-US" sz="1600" b="1" cap="none" spc="0" dirty="0">
-                <a:ln w="13462">
-                  <a:solidFill>
-                    <a:schemeClr val="bg1"/>
-                  </a:solidFill>
-                  <a:prstDash val="solid"/>
-                </a:ln>
-                <a:solidFill>
-                  <a:schemeClr val="accent6">
-                    <a:lumMod val="75000"/>
-                  </a:schemeClr>
-                </a:solidFill>
-                <a:effectLst>
-                  <a:outerShdw dist="38100" dir="2700000" algn="bl" rotWithShape="0">
-                    <a:schemeClr val="accent5"/>
-                  </a:outerShdw>
-                </a:effectLst>
-                <a:latin typeface="Comic Sans MS" panose="030F0702030302020204" pitchFamily="66" charset="0"/>
-              </a:rPr>
-              <a:t>: Kick-Ass</a:t>
-            </a:r>
-          </a:p>
-          <a:p>
-            <a:pPr algn="ctr"/>
-            <a:r>
-              <a:rPr lang="en-US" sz="1600" b="1" u="sng" cap="none" spc="0" dirty="0">
-                <a:ln w="13462">
-                  <a:solidFill>
-                    <a:schemeClr val="bg1"/>
-                  </a:solidFill>
-                  <a:prstDash val="solid"/>
-                </a:ln>
-                <a:solidFill>
-                  <a:schemeClr val="accent6">
-                    <a:lumMod val="75000"/>
-                  </a:schemeClr>
-                </a:solidFill>
-                <a:effectLst>
-                  <a:outerShdw dist="38100" dir="2700000" algn="bl" rotWithShape="0">
-                    <a:schemeClr val="accent5"/>
-                  </a:outerShdw>
-                </a:effectLst>
-                <a:latin typeface="Comic Sans MS" panose="030F0702030302020204" pitchFamily="66" charset="0"/>
-              </a:rPr>
-              <a:t>Slowest:</a:t>
-            </a:r>
-            <a:r>
-              <a:rPr lang="en-US" sz="1600" b="1" cap="none" spc="0" dirty="0">
-                <a:ln w="13462">
-                  <a:solidFill>
-                    <a:schemeClr val="bg1"/>
-                  </a:solidFill>
-                  <a:prstDash val="solid"/>
-                </a:ln>
-                <a:solidFill>
-                  <a:schemeClr val="accent6">
-                    <a:lumMod val="75000"/>
-                  </a:schemeClr>
-                </a:solidFill>
-                <a:effectLst>
-                  <a:outerShdw dist="38100" dir="2700000" algn="bl" rotWithShape="0">
-                    <a:schemeClr val="accent5"/>
-                  </a:outerShdw>
-                </a:effectLst>
-                <a:latin typeface="Comic Sans MS" panose="030F0702030302020204" pitchFamily="66" charset="0"/>
-              </a:rPr>
-              <a:t> Man-Thing</a:t>
-            </a:r>
-          </a:p>
-          <a:p>
-            <a:pPr algn="ctr"/>
-            <a:r>
-              <a:rPr lang="en-US" sz="1600" b="1" u="sng" cap="none" spc="0" dirty="0">
-                <a:ln w="13462">
-                  <a:solidFill>
-                    <a:schemeClr val="bg1"/>
-                  </a:solidFill>
-                  <a:prstDash val="solid"/>
-                </a:ln>
-                <a:solidFill>
-                  <a:schemeClr val="accent6">
-                    <a:lumMod val="75000"/>
-                  </a:schemeClr>
-                </a:solidFill>
-                <a:effectLst>
-                  <a:outerShdw dist="38100" dir="2700000" algn="bl" rotWithShape="0">
-                    <a:schemeClr val="accent5"/>
-                  </a:outerShdw>
-                </a:effectLst>
-                <a:latin typeface="Comic Sans MS" panose="030F0702030302020204" pitchFamily="66" charset="0"/>
-              </a:rPr>
-              <a:t>Worst Fighter</a:t>
-            </a:r>
-            <a:r>
-              <a:rPr lang="en-US" sz="1600" b="1" cap="none" spc="0" dirty="0">
-                <a:ln w="13462">
-                  <a:solidFill>
-                    <a:schemeClr val="bg1"/>
-                  </a:solidFill>
-                  <a:prstDash val="solid"/>
-                </a:ln>
-                <a:solidFill>
-                  <a:schemeClr val="accent6">
-                    <a:lumMod val="75000"/>
-                  </a:schemeClr>
-                </a:solidFill>
-                <a:effectLst>
-                  <a:outerShdw dist="38100" dir="2700000" algn="bl" rotWithShape="0">
-                    <a:schemeClr val="accent5"/>
-                  </a:outerShdw>
-                </a:effectLst>
-                <a:latin typeface="Comic Sans MS" panose="030F0702030302020204" pitchFamily="66" charset="0"/>
-              </a:rPr>
-              <a:t>: Ant-Man</a:t>
-            </a:r>
-          </a:p>
-          <a:p>
-            <a:pPr algn="ctr"/>
-            <a:r>
-              <a:rPr lang="en-US" sz="1600" b="1" u="sng" cap="none" spc="0" dirty="0">
-                <a:ln w="13462">
-                  <a:solidFill>
-                    <a:schemeClr val="bg1"/>
-                  </a:solidFill>
-                  <a:prstDash val="solid"/>
-                </a:ln>
-                <a:solidFill>
-                  <a:schemeClr val="accent6">
-                    <a:lumMod val="75000"/>
-                  </a:schemeClr>
-                </a:solidFill>
-                <a:effectLst>
-                  <a:outerShdw dist="38100" dir="2700000" algn="bl" rotWithShape="0">
-                    <a:schemeClr val="accent5"/>
-                  </a:outerShdw>
-                </a:effectLst>
-                <a:latin typeface="Comic Sans MS" panose="030F0702030302020204" pitchFamily="66" charset="0"/>
-              </a:rPr>
-              <a:t>Most Fragile</a:t>
-            </a:r>
-            <a:r>
-              <a:rPr lang="en-US" sz="1600" b="1" cap="none" spc="0" dirty="0">
-                <a:ln w="13462">
-                  <a:solidFill>
-                    <a:schemeClr val="bg1"/>
-                  </a:solidFill>
-                  <a:prstDash val="solid"/>
-                </a:ln>
-                <a:solidFill>
-                  <a:schemeClr val="accent6">
-                    <a:lumMod val="75000"/>
-                  </a:schemeClr>
-                </a:solidFill>
-                <a:effectLst>
-                  <a:outerShdw dist="38100" dir="2700000" algn="bl" rotWithShape="0">
-                    <a:schemeClr val="accent5"/>
-                  </a:outerShdw>
-                </a:effectLst>
-                <a:latin typeface="Comic Sans MS" panose="030F0702030302020204" pitchFamily="66" charset="0"/>
-              </a:rPr>
-              <a:t>: Hawkeye</a:t>
-            </a:r>
-          </a:p>
-          <a:p>
-            <a:pPr algn="ctr"/>
-            <a:r>
-              <a:rPr lang="en-US" sz="1600" b="1" u="sng" cap="none" spc="0" dirty="0">
-                <a:ln w="13462">
-                  <a:solidFill>
-                    <a:schemeClr val="bg1"/>
-                  </a:solidFill>
-                  <a:prstDash val="solid"/>
-                </a:ln>
-                <a:solidFill>
-                  <a:schemeClr val="accent6">
-                    <a:lumMod val="75000"/>
-                  </a:schemeClr>
-                </a:solidFill>
-                <a:effectLst>
-                  <a:outerShdw dist="38100" dir="2700000" algn="bl" rotWithShape="0">
-                    <a:schemeClr val="accent5"/>
-                  </a:outerShdw>
-                </a:effectLst>
-                <a:latin typeface="Comic Sans MS" panose="030F0702030302020204" pitchFamily="66" charset="0"/>
-              </a:rPr>
-              <a:t>Most Powerless</a:t>
-            </a:r>
-            <a:r>
-              <a:rPr lang="en-US" sz="1600" b="1" cap="none" spc="0" dirty="0">
-                <a:ln w="13462">
-                  <a:solidFill>
-                    <a:schemeClr val="bg1"/>
-                  </a:solidFill>
-                  <a:prstDash val="solid"/>
-                </a:ln>
-                <a:solidFill>
-                  <a:schemeClr val="accent6">
-                    <a:lumMod val="75000"/>
-                  </a:schemeClr>
-                </a:solidFill>
-                <a:effectLst>
-                  <a:outerShdw dist="38100" dir="2700000" algn="bl" rotWithShape="0">
-                    <a:schemeClr val="accent5"/>
-                  </a:outerShdw>
-                </a:effectLst>
-                <a:latin typeface="Comic Sans MS" panose="030F0702030302020204" pitchFamily="66" charset="0"/>
-              </a:rPr>
-              <a:t>: Kingpin</a:t>
-            </a:r>
-          </a:p>
-          <a:p>
-            <a:pPr algn="ctr"/>
-            <a:endParaRPr lang="en-US" sz="1600" b="1" cap="none" spc="0" dirty="0">
+              <a:t>Ant-Man</a:t>
+            </a:r>
+            <a:endParaRPr lang="en-US" sz="1600" cap="none" spc="0" dirty="0">
               <a:ln w="13462">
                 <a:solidFill>
-                  <a:schemeClr val="bg1"/>
+                  <a:srgbClr val="FF0000"/>
                 </a:solidFill>
                 <a:prstDash val="solid"/>
               </a:ln>
               <a:solidFill>
-                <a:schemeClr val="accent6">
-                  <a:lumMod val="75000"/>
-                </a:schemeClr>
+                <a:srgbClr val="FF0000"/>
               </a:solidFill>
               <a:effectLst>
                 <a:outerShdw dist="38100" dir="2700000" algn="bl" rotWithShape="0">
@@ -6888,18 +6666,87 @@
           </a:p>
           <a:p>
             <a:pPr algn="ctr"/>
-            <a:endParaRPr lang="en-US" sz="1600" b="1" cap="none" spc="0" dirty="0">
+            <a:r>
+              <a:rPr lang="en-US" sz="1600" u="sng" cap="none" spc="0" dirty="0">
+                <a:ln w="13462">
+                  <a:solidFill>
+                    <a:schemeClr val="tx1"/>
+                  </a:solidFill>
+                  <a:prstDash val="solid"/>
+                </a:ln>
+                <a:effectLst>
+                  <a:outerShdw dist="38100" dir="2700000" algn="bl" rotWithShape="0">
+                    <a:schemeClr val="accent5"/>
+                  </a:outerShdw>
+                </a:effectLst>
+                <a:latin typeface="Comic Sans MS" panose="030F0702030302020204" pitchFamily="66" charset="0"/>
+              </a:rPr>
+              <a:t>Most Fragile</a:t>
+            </a:r>
+            <a:r>
+              <a:rPr lang="en-US" sz="1600" cap="none" spc="0" dirty="0">
+                <a:ln w="13462">
+                  <a:solidFill>
+                    <a:schemeClr val="tx1"/>
+                  </a:solidFill>
+                  <a:prstDash val="solid"/>
+                </a:ln>
+                <a:effectLst>
+                  <a:outerShdw dist="38100" dir="2700000" algn="bl" rotWithShape="0">
+                    <a:schemeClr val="accent5"/>
+                  </a:outerShdw>
+                </a:effectLst>
+                <a:latin typeface="Comic Sans MS" panose="030F0702030302020204" pitchFamily="66" charset="0"/>
+              </a:rPr>
+              <a:t>: Hawkeye</a:t>
+            </a:r>
+          </a:p>
+          <a:p>
+            <a:pPr algn="ctr"/>
+            <a:r>
+              <a:rPr lang="en-US" sz="1600" u="sng" cap="none" spc="0" dirty="0">
+                <a:ln w="13462">
+                  <a:solidFill>
+                    <a:schemeClr val="tx1"/>
+                  </a:solidFill>
+                  <a:prstDash val="solid"/>
+                </a:ln>
+                <a:effectLst>
+                  <a:outerShdw dist="38100" dir="2700000" algn="bl" rotWithShape="0">
+                    <a:schemeClr val="accent5"/>
+                  </a:outerShdw>
+                </a:effectLst>
+                <a:latin typeface="Comic Sans MS" panose="030F0702030302020204" pitchFamily="66" charset="0"/>
+              </a:rPr>
+              <a:t>Most Powerless</a:t>
+            </a:r>
+            <a:r>
+              <a:rPr lang="en-US" sz="1600" cap="none" spc="0" dirty="0">
+                <a:ln w="13462">
+                  <a:solidFill>
+                    <a:schemeClr val="tx1"/>
+                  </a:solidFill>
+                  <a:prstDash val="solid"/>
+                </a:ln>
+                <a:effectLst>
+                  <a:outerShdw dist="38100" dir="2700000" algn="bl" rotWithShape="0">
+                    <a:schemeClr val="accent5"/>
+                  </a:outerShdw>
+                </a:effectLst>
+                <a:latin typeface="Comic Sans MS" panose="030F0702030302020204" pitchFamily="66" charset="0"/>
+              </a:rPr>
+              <a:t>: Kingpin</a:t>
+            </a:r>
+          </a:p>
+          <a:p>
+            <a:pPr algn="ctr"/>
+            <a:endParaRPr lang="en-US" sz="1600" cap="none" spc="0" dirty="0">
               <a:ln w="13462">
                 <a:solidFill>
-                  <a:schemeClr val="bg1"/>
+                  <a:schemeClr val="tx1"/>
                 </a:solidFill>
                 <a:prstDash val="solid"/>
               </a:ln>
-              <a:solidFill>
-                <a:schemeClr val="accent6">
-                  <a:lumMod val="75000"/>
-                </a:schemeClr>
-              </a:solidFill>
               <a:effectLst>
                 <a:outerShdw dist="38100" dir="2700000" algn="bl" rotWithShape="0">
                   <a:schemeClr val="accent5"/>
@@ -6910,19 +6757,31 @@
           </a:p>
           <a:p>
             <a:pPr algn="ctr"/>
-            <a:r>
-              <a:rPr lang="en-US" sz="1600" b="1" cap="none" spc="0" dirty="0">
+            <a:endParaRPr lang="en-US" sz="1600" cap="none" spc="0" dirty="0">
+              <a:ln w="13462">
+                <a:solidFill>
+                  <a:schemeClr val="tx1"/>
+                </a:solidFill>
+                <a:prstDash val="solid"/>
+              </a:ln>
+              <a:effectLst>
+                <a:outerShdw dist="38100" dir="2700000" algn="bl" rotWithShape="0">
+                  <a:schemeClr val="accent5"/>
+                </a:outerShdw>
+              </a:effectLst>
+              <a:latin typeface="Comic Sans MS" panose="030F0702030302020204" pitchFamily="66" charset="0"/>
+            </a:endParaRPr>
+          </a:p>
+          <a:p>
+            <a:pPr algn="ctr"/>
+            <a:r>
+              <a:rPr lang="en-US" sz="1600" cap="none" spc="0" dirty="0">
                 <a:ln w="13462">
                   <a:solidFill>
-                    <a:schemeClr val="bg1"/>
+                    <a:schemeClr val="tx1"/>
                   </a:solidFill>
                   <a:prstDash val="solid"/>
                 </a:ln>
-                <a:solidFill>
-                  <a:schemeClr val="accent6">
-                    <a:lumMod val="75000"/>
-                  </a:schemeClr>
-                </a:solidFill>
                 <a:effectLst>
                   <a:outerShdw dist="38100" dir="2700000" algn="bl" rotWithShape="0">
                     <a:schemeClr val="accent5"/>
@@ -6932,18 +6791,13 @@
               </a:rPr>
               <a:t>THE WINNER AT BEING THE WORST IS…..</a:t>
             </a:r>
-            <a:endParaRPr lang="en-US" sz="1600" b="1" cap="none" spc="0" dirty="0">
+            <a:endParaRPr lang="en-US" sz="1600" cap="none" spc="0" dirty="0">
               <a:ln w="13462">
                 <a:solidFill>
-                  <a:schemeClr val="bg1"/>
+                  <a:schemeClr val="tx1"/>
                 </a:solidFill>
                 <a:prstDash val="solid"/>
               </a:ln>
-              <a:solidFill>
-                <a:schemeClr val="accent6">
-                  <a:lumMod val="75000"/>
-                </a:schemeClr>
-              </a:solidFill>
               <a:effectLst>
                 <a:outerShdw dist="38100" dir="2700000" algn="bl" rotWithShape="0">
                   <a:schemeClr val="accent5"/>
@@ -6973,6 +6827,7 @@
       <p:bgPr>
         <a:blipFill dpi="0" rotWithShape="1">
           <a:blip r:embed="rId2">
+            <a:alphaModFix amt="31000"/>
             <a:lum/>
           </a:blip>
           <a:srcRect/>
@@ -7133,17 +6988,18 @@
           </a:bodyPr>
           <a:lstStyle/>
           <a:p>
-            <a:r>
-              <a:rPr lang="en-US" sz="2400" b="1" cap="none" spc="0" dirty="0">
+            <a:pPr marL="342900" indent="-342900">
+              <a:buFont typeface="Arial" panose="020B0604020202020204" pitchFamily="34" charset="0"/>
+              <a:buChar char="•"/>
+            </a:pPr>
+            <a:r>
+              <a:rPr lang="en-US" sz="2400" cap="none" spc="0" dirty="0">
                 <a:ln w="13462">
                   <a:solidFill>
-                    <a:schemeClr val="bg1"/>
+                    <a:schemeClr val="tx1"/>
                   </a:solidFill>
                   <a:prstDash val="solid"/>
                 </a:ln>
-                <a:solidFill>
-                  <a:schemeClr val="bg1"/>
-                </a:solidFill>
                 <a:effectLst>
                   <a:outerShdw dist="38100" dir="2700000" algn="bl" rotWithShape="0">
                     <a:schemeClr val="accent5"/>
@@ -7155,17 +7011,18 @@
             </a:r>
           </a:p>
           <a:p>
-            <a:r>
-              <a:rPr lang="en-US" sz="2400" b="1" cap="none" spc="0" dirty="0">
+            <a:pPr marL="342900" indent="-342900">
+              <a:buFont typeface="Arial" panose="020B0604020202020204" pitchFamily="34" charset="0"/>
+              <a:buChar char="•"/>
+            </a:pPr>
+            <a:r>
+              <a:rPr lang="en-US" sz="2400" cap="none" spc="0" dirty="0">
                 <a:ln w="13462">
                   <a:solidFill>
-                    <a:schemeClr val="bg1"/>
+                    <a:schemeClr val="tx1"/>
                   </a:solidFill>
                   <a:prstDash val="solid"/>
                 </a:ln>
-                <a:solidFill>
-                  <a:schemeClr val="bg1"/>
-                </a:solidFill>
                 <a:effectLst>
                   <a:outerShdw dist="38100" dir="2700000" algn="bl" rotWithShape="0">
                     <a:schemeClr val="accent5"/>
@@ -7177,17 +7034,18 @@
             </a:r>
           </a:p>
           <a:p>
-            <a:r>
-              <a:rPr lang="en-US" sz="2400" b="1" cap="none" spc="0" dirty="0">
+            <a:pPr marL="342900" indent="-342900">
+              <a:buFont typeface="Arial" panose="020B0604020202020204" pitchFamily="34" charset="0"/>
+              <a:buChar char="•"/>
+            </a:pPr>
+            <a:r>
+              <a:rPr lang="en-US" sz="2400" cap="none" spc="0" dirty="0">
                 <a:ln w="13462">
                   <a:solidFill>
-                    <a:schemeClr val="bg1"/>
+                    <a:schemeClr val="tx1"/>
                   </a:solidFill>
                   <a:prstDash val="solid"/>
                 </a:ln>
-                <a:solidFill>
-                  <a:schemeClr val="bg1"/>
-                </a:solidFill>
                 <a:effectLst>
                   <a:outerShdw dist="38100" dir="2700000" algn="bl" rotWithShape="0">
                     <a:schemeClr val="accent5"/>
@@ -7197,16 +7055,13 @@
               </a:rPr>
               <a:t>We could not find strong evidence for a correlation between superhero statistics and comic book sales</a:t>
             </a:r>
-            <a:endParaRPr lang="en-US" sz="2400" b="1" cap="none" spc="0" dirty="0">
+            <a:endParaRPr lang="en-US" sz="2400" cap="none" spc="0" dirty="0">
               <a:ln w="13462">
                 <a:solidFill>
-                  <a:schemeClr val="bg1"/>
+                  <a:schemeClr val="tx1"/>
                 </a:solidFill>
                 <a:prstDash val="solid"/>
               </a:ln>
-              <a:solidFill>
-                <a:schemeClr val="bg1"/>
-              </a:solidFill>
               <a:effectLst>
                 <a:outerShdw dist="38100" dir="2700000" algn="bl" rotWithShape="0">
                   <a:schemeClr val="accent5"/>
@@ -7230,8 +7085,8 @@
         </p:nvSpPr>
         <p:spPr>
           <a:xfrm>
-            <a:off x="812798" y="1390089"/>
-            <a:ext cx="11231419" cy="1938992"/>
+            <a:off x="332509" y="1407647"/>
+            <a:ext cx="11231419" cy="1569660"/>
           </a:xfrm>
           <a:prstGeom prst="rect">
             <a:avLst/>
@@ -7244,17 +7099,18 @@
           </a:bodyPr>
           <a:lstStyle/>
           <a:p>
-            <a:r>
-              <a:rPr lang="en-US" sz="2400" b="1" cap="none" spc="0" dirty="0">
+            <a:pPr marL="342900" indent="-342900">
+              <a:buFont typeface="Arial" panose="020B0604020202020204" pitchFamily="34" charset="0"/>
+              <a:buChar char="•"/>
+            </a:pPr>
+            <a:r>
+              <a:rPr lang="en-US" sz="2400" cap="none" spc="0" dirty="0">
                 <a:ln w="13462">
                   <a:solidFill>
-                    <a:schemeClr val="bg1"/>
+                    <a:schemeClr val="tx1"/>
                   </a:solidFill>
                   <a:prstDash val="solid"/>
                 </a:ln>
-                <a:solidFill>
-                  <a:schemeClr val="bg1"/>
-                </a:solidFill>
                 <a:effectLst>
                   <a:outerShdw dist="38100" dir="2700000" algn="bl" rotWithShape="0">
                     <a:schemeClr val="accent5"/>
@@ -7266,17 +7122,18 @@
             </a:r>
           </a:p>
           <a:p>
-            <a:r>
-              <a:rPr lang="en-US" sz="2400" b="1" cap="none" spc="0" dirty="0">
+            <a:pPr marL="342900" indent="-342900">
+              <a:buFont typeface="Arial" panose="020B0604020202020204" pitchFamily="34" charset="0"/>
+              <a:buChar char="•"/>
+            </a:pPr>
+            <a:r>
+              <a:rPr lang="en-US" sz="2400" cap="none" spc="0" dirty="0">
                 <a:ln w="13462">
                   <a:solidFill>
-                    <a:schemeClr val="bg1"/>
+                    <a:schemeClr val="tx1"/>
                   </a:solidFill>
                   <a:prstDash val="solid"/>
                 </a:ln>
-                <a:solidFill>
-                  <a:schemeClr val="bg1"/>
-                </a:solidFill>
                 <a:effectLst>
                   <a:outerShdw dist="38100" dir="2700000" algn="bl" rotWithShape="0">
                     <a:schemeClr val="accent5"/>
@@ -7288,17 +7145,18 @@
             </a:r>
           </a:p>
           <a:p>
-            <a:r>
-              <a:rPr lang="en-US" sz="2400" b="1" cap="none" spc="0" dirty="0">
+            <a:pPr marL="342900" indent="-342900">
+              <a:buFont typeface="Arial" panose="020B0604020202020204" pitchFamily="34" charset="0"/>
+              <a:buChar char="•"/>
+            </a:pPr>
+            <a:r>
+              <a:rPr lang="en-US" sz="2400" cap="none" spc="0" dirty="0">
                 <a:ln w="13462">
                   <a:solidFill>
-                    <a:schemeClr val="bg1"/>
+                    <a:schemeClr val="tx1"/>
                   </a:solidFill>
                   <a:prstDash val="solid"/>
                 </a:ln>
-                <a:solidFill>
-                  <a:schemeClr val="bg1"/>
-                </a:solidFill>
                 <a:effectLst>
                   <a:outerShdw dist="38100" dir="2700000" algn="bl" rotWithShape="0">
                     <a:schemeClr val="accent5"/>
@@ -7310,17 +7168,18 @@
             </a:r>
           </a:p>
           <a:p>
-            <a:r>
-              <a:rPr lang="en-US" sz="2400" b="1" cap="none" spc="0" dirty="0">
+            <a:pPr marL="342900" indent="-342900">
+              <a:buFont typeface="Arial" panose="020B0604020202020204" pitchFamily="34" charset="0"/>
+              <a:buChar char="•"/>
+            </a:pPr>
+            <a:r>
+              <a:rPr lang="en-US" sz="2400" cap="none" spc="0" dirty="0">
                 <a:ln w="13462">
                   <a:solidFill>
-                    <a:schemeClr val="bg1"/>
+                    <a:schemeClr val="tx1"/>
                   </a:solidFill>
                   <a:prstDash val="solid"/>
                 </a:ln>
-                <a:solidFill>
-                  <a:schemeClr val="bg1"/>
-                </a:solidFill>
                 <a:effectLst>
                   <a:outerShdw dist="38100" dir="2700000" algn="bl" rotWithShape="0">
                     <a:schemeClr val="accent5"/>
@@ -7330,16 +7189,13 @@
               </a:rPr>
               <a:t>Wider population and more targeted polling pool</a:t>
             </a:r>
-            <a:endParaRPr lang="en-US" sz="2400" b="1" cap="none" spc="0" dirty="0">
+            <a:endParaRPr lang="en-US" sz="2400" cap="none" spc="0" dirty="0">
               <a:ln w="13462">
                 <a:solidFill>
-                  <a:schemeClr val="bg1"/>
+                  <a:schemeClr val="tx1"/>
                 </a:solidFill>
                 <a:prstDash val="solid"/>
               </a:ln>
-              <a:solidFill>
-                <a:schemeClr val="bg1"/>
-              </a:solidFill>
               <a:effectLst>
                 <a:outerShdw dist="38100" dir="2700000" algn="bl" rotWithShape="0">
                   <a:schemeClr val="accent5"/>
